--- a/results/figures/pptx/reported_comorbidities.pptx
+++ b/results/figures/pptx/reported_comorbidities.pptx
@@ -2271,15 +2271,15 @@
           </p:nvSpPr>
           <p:spPr>
             <a:xfrm>
-              <a:off x="3200888" y="1603770"/>
-              <a:ext cx="0" cy="6179302"/>
+              <a:off x="3200888" y="1227560"/>
+              <a:ext cx="0" cy="6555513"/>
             </a:xfrm>
             <a:custGeom>
               <a:avLst/>
               <a:pathLst>
-                <a:path w="0" h="6179302">
+                <a:path w="0" h="6555513">
                   <a:moveTo>
-                    <a:pt x="0" y="6179302"/>
+                    <a:pt x="0" y="6555513"/>
                   </a:moveTo>
                   <a:lnTo>
                     <a:pt x="0" y="0"/>
@@ -2314,15 +2314,15 @@
           </p:nvSpPr>
           <p:spPr>
             <a:xfrm>
-              <a:off x="3768514" y="1603770"/>
-              <a:ext cx="0" cy="6179302"/>
+              <a:off x="3646880" y="1227560"/>
+              <a:ext cx="0" cy="6555513"/>
             </a:xfrm>
             <a:custGeom>
               <a:avLst/>
               <a:pathLst>
-                <a:path w="0" h="6179302">
+                <a:path w="0" h="6555513">
                   <a:moveTo>
-                    <a:pt x="0" y="6179302"/>
+                    <a:pt x="0" y="6555513"/>
                   </a:moveTo>
                   <a:lnTo>
                     <a:pt x="0" y="0"/>
@@ -2357,15 +2357,15 @@
           </p:nvSpPr>
           <p:spPr>
             <a:xfrm>
-              <a:off x="4336140" y="1603770"/>
-              <a:ext cx="0" cy="6179302"/>
+              <a:off x="4092871" y="1227560"/>
+              <a:ext cx="0" cy="6555513"/>
             </a:xfrm>
             <a:custGeom>
               <a:avLst/>
               <a:pathLst>
-                <a:path w="0" h="6179302">
+                <a:path w="0" h="6555513">
                   <a:moveTo>
-                    <a:pt x="0" y="6179302"/>
+                    <a:pt x="0" y="6555513"/>
                   </a:moveTo>
                   <a:lnTo>
                     <a:pt x="0" y="0"/>
@@ -2400,15 +2400,15 @@
           </p:nvSpPr>
           <p:spPr>
             <a:xfrm>
-              <a:off x="4903765" y="1603770"/>
-              <a:ext cx="0" cy="6179302"/>
+              <a:off x="4538863" y="1227560"/>
+              <a:ext cx="0" cy="6555513"/>
             </a:xfrm>
             <a:custGeom>
               <a:avLst/>
               <a:pathLst>
-                <a:path w="0" h="6179302">
+                <a:path w="0" h="6555513">
                   <a:moveTo>
-                    <a:pt x="0" y="6179302"/>
+                    <a:pt x="0" y="6555513"/>
                   </a:moveTo>
                   <a:lnTo>
                     <a:pt x="0" y="0"/>
@@ -2443,15 +2443,15 @@
           </p:nvSpPr>
           <p:spPr>
             <a:xfrm>
-              <a:off x="5471391" y="1603770"/>
-              <a:ext cx="0" cy="6179302"/>
+              <a:off x="4984855" y="1227560"/>
+              <a:ext cx="0" cy="6555513"/>
             </a:xfrm>
             <a:custGeom>
               <a:avLst/>
               <a:pathLst>
-                <a:path w="0" h="6179302">
+                <a:path w="0" h="6555513">
                   <a:moveTo>
-                    <a:pt x="0" y="6179302"/>
+                    <a:pt x="0" y="6555513"/>
                   </a:moveTo>
                   <a:lnTo>
                     <a:pt x="0" y="0"/>
@@ -2486,15 +2486,15 @@
           </p:nvSpPr>
           <p:spPr>
             <a:xfrm>
-              <a:off x="6039017" y="1603770"/>
-              <a:ext cx="0" cy="6179302"/>
+              <a:off x="5430846" y="1227560"/>
+              <a:ext cx="0" cy="6555513"/>
             </a:xfrm>
             <a:custGeom>
               <a:avLst/>
               <a:pathLst>
-                <a:path w="0" h="6179302">
+                <a:path w="0" h="6555513">
                   <a:moveTo>
-                    <a:pt x="0" y="6179302"/>
+                    <a:pt x="0" y="6555513"/>
                   </a:moveTo>
                   <a:lnTo>
                     <a:pt x="0" y="0"/>
@@ -2529,15 +2529,15 @@
           </p:nvSpPr>
           <p:spPr>
             <a:xfrm>
-              <a:off x="6606643" y="1603770"/>
-              <a:ext cx="0" cy="6179302"/>
+              <a:off x="5876838" y="1227560"/>
+              <a:ext cx="0" cy="6555513"/>
             </a:xfrm>
             <a:custGeom>
               <a:avLst/>
               <a:pathLst>
-                <a:path w="0" h="6179302">
+                <a:path w="0" h="6555513">
                   <a:moveTo>
-                    <a:pt x="0" y="6179302"/>
+                    <a:pt x="0" y="6555513"/>
                   </a:moveTo>
                   <a:lnTo>
                     <a:pt x="0" y="0"/>
@@ -2572,15 +2572,15 @@
           </p:nvSpPr>
           <p:spPr>
             <a:xfrm>
-              <a:off x="7174268" y="1603770"/>
-              <a:ext cx="0" cy="6179302"/>
+              <a:off x="6322830" y="1227560"/>
+              <a:ext cx="0" cy="6555513"/>
             </a:xfrm>
             <a:custGeom>
               <a:avLst/>
               <a:pathLst>
-                <a:path w="0" h="6179302">
+                <a:path w="0" h="6555513">
                   <a:moveTo>
-                    <a:pt x="0" y="6179302"/>
+                    <a:pt x="0" y="6555513"/>
                   </a:moveTo>
                   <a:lnTo>
                     <a:pt x="0" y="0"/>
@@ -2609,14 +2609,143 @@
         </p:sp>
         <p:sp>
           <p:nvSpPr>
-            <p:cNvPr id="12" name="rc12"/>
-            <p:cNvSpPr/>
-            <p:nvPr/>
-          </p:nvSpPr>
-          <p:spPr>
-            <a:xfrm>
-              <a:off x="3200888" y="1654698"/>
-              <a:ext cx="4086905" cy="305569"/>
+            <p:cNvPr id="12" name="pl12"/>
+            <p:cNvSpPr/>
+            <p:nvPr/>
+          </p:nvSpPr>
+          <p:spPr>
+            <a:xfrm>
+              <a:off x="6768822" y="1227560"/>
+              <a:ext cx="0" cy="6555513"/>
+            </a:xfrm>
+            <a:custGeom>
+              <a:avLst/>
+              <a:pathLst>
+                <a:path w="0" h="6555513">
+                  <a:moveTo>
+                    <a:pt x="0" y="6555513"/>
+                  </a:moveTo>
+                  <a:lnTo>
+                    <a:pt x="0" y="0"/>
+                  </a:lnTo>
+                  <a:lnTo>
+                    <a:pt x="0" y="0"/>
+                  </a:lnTo>
+                </a:path>
+              </a:pathLst>
+            </a:custGeom>
+            <a:ln w="13550" cap="flat">
+              <a:solidFill>
+                <a:srgbClr val="D3D3D3">
+                  <a:alpha val="100000"/>
+                </a:srgbClr>
+              </a:solidFill>
+              <a:prstDash val="solid"/>
+              <a:round/>
+            </a:ln>
+          </p:spPr>
+          <p:txBody>
+            <a:bodyPr/>
+            <a:lstStyle/>
+            <a:p/>
+          </p:txBody>
+        </p:sp>
+        <p:sp>
+          <p:nvSpPr>
+            <p:cNvPr id="13" name="pl13"/>
+            <p:cNvSpPr/>
+            <p:nvPr/>
+          </p:nvSpPr>
+          <p:spPr>
+            <a:xfrm>
+              <a:off x="7214813" y="1227560"/>
+              <a:ext cx="0" cy="6555513"/>
+            </a:xfrm>
+            <a:custGeom>
+              <a:avLst/>
+              <a:pathLst>
+                <a:path w="0" h="6555513">
+                  <a:moveTo>
+                    <a:pt x="0" y="6555513"/>
+                  </a:moveTo>
+                  <a:lnTo>
+                    <a:pt x="0" y="0"/>
+                  </a:lnTo>
+                  <a:lnTo>
+                    <a:pt x="0" y="0"/>
+                  </a:lnTo>
+                </a:path>
+              </a:pathLst>
+            </a:custGeom>
+            <a:ln w="13550" cap="flat">
+              <a:solidFill>
+                <a:srgbClr val="D3D3D3">
+                  <a:alpha val="100000"/>
+                </a:srgbClr>
+              </a:solidFill>
+              <a:prstDash val="solid"/>
+              <a:round/>
+            </a:ln>
+          </p:spPr>
+          <p:txBody>
+            <a:bodyPr/>
+            <a:lstStyle/>
+            <a:p/>
+          </p:txBody>
+        </p:sp>
+        <p:sp>
+          <p:nvSpPr>
+            <p:cNvPr id="14" name="pl14"/>
+            <p:cNvSpPr/>
+            <p:nvPr/>
+          </p:nvSpPr>
+          <p:spPr>
+            <a:xfrm>
+              <a:off x="7660805" y="1227560"/>
+              <a:ext cx="0" cy="6555513"/>
+            </a:xfrm>
+            <a:custGeom>
+              <a:avLst/>
+              <a:pathLst>
+                <a:path w="0" h="6555513">
+                  <a:moveTo>
+                    <a:pt x="0" y="6555513"/>
+                  </a:moveTo>
+                  <a:lnTo>
+                    <a:pt x="0" y="0"/>
+                  </a:lnTo>
+                  <a:lnTo>
+                    <a:pt x="0" y="0"/>
+                  </a:lnTo>
+                </a:path>
+              </a:pathLst>
+            </a:custGeom>
+            <a:ln w="13550" cap="flat">
+              <a:solidFill>
+                <a:srgbClr val="D3D3D3">
+                  <a:alpha val="100000"/>
+                </a:srgbClr>
+              </a:solidFill>
+              <a:prstDash val="solid"/>
+              <a:round/>
+            </a:ln>
+          </p:spPr>
+          <p:txBody>
+            <a:bodyPr/>
+            <a:lstStyle/>
+            <a:p/>
+          </p:txBody>
+        </p:sp>
+        <p:sp>
+          <p:nvSpPr>
+            <p:cNvPr id="15" name="rc15"/>
+            <p:cNvSpPr/>
+            <p:nvPr/>
+          </p:nvSpPr>
+          <p:spPr>
+            <a:xfrm>
+              <a:off x="3200888" y="1281589"/>
+              <a:ext cx="3211140" cy="324173"/>
             </a:xfrm>
             <a:prstGeom prst="rect">
               <a:avLst/>
@@ -2635,14 +2764,14 @@
         </p:sp>
         <p:sp>
           <p:nvSpPr>
-            <p:cNvPr id="13" name="rc13"/>
-            <p:cNvSpPr/>
-            <p:nvPr/>
-          </p:nvSpPr>
-          <p:spPr>
-            <a:xfrm>
-              <a:off x="3200888" y="1994221"/>
-              <a:ext cx="3519279" cy="305569"/>
+            <p:cNvPr id="16" name="rc16"/>
+            <p:cNvSpPr/>
+            <p:nvPr/>
+          </p:nvSpPr>
+          <p:spPr>
+            <a:xfrm>
+              <a:off x="3200888" y="1641782"/>
+              <a:ext cx="2765148" cy="324173"/>
             </a:xfrm>
             <a:prstGeom prst="rect">
               <a:avLst/>
@@ -2661,14 +2790,14 @@
         </p:sp>
         <p:sp>
           <p:nvSpPr>
-            <p:cNvPr id="14" name="rc14"/>
-            <p:cNvSpPr/>
-            <p:nvPr/>
-          </p:nvSpPr>
-          <p:spPr>
-            <a:xfrm>
-              <a:off x="3200888" y="2333743"/>
-              <a:ext cx="2838128" cy="305569"/>
+            <p:cNvPr id="17" name="rc17"/>
+            <p:cNvSpPr/>
+            <p:nvPr/>
+          </p:nvSpPr>
+          <p:spPr>
+            <a:xfrm>
+              <a:off x="3200888" y="2001975"/>
+              <a:ext cx="2229958" cy="324173"/>
             </a:xfrm>
             <a:prstGeom prst="rect">
               <a:avLst/>
@@ -2687,14 +2816,14 @@
         </p:sp>
         <p:sp>
           <p:nvSpPr>
-            <p:cNvPr id="15" name="rc15"/>
-            <p:cNvSpPr/>
-            <p:nvPr/>
-          </p:nvSpPr>
-          <p:spPr>
-            <a:xfrm>
-              <a:off x="3200888" y="2673265"/>
-              <a:ext cx="2611078" cy="305569"/>
+            <p:cNvPr id="18" name="rc18"/>
+            <p:cNvSpPr/>
+            <p:nvPr/>
+          </p:nvSpPr>
+          <p:spPr>
+            <a:xfrm>
+              <a:off x="3200888" y="2362168"/>
+              <a:ext cx="2051561" cy="324173"/>
             </a:xfrm>
             <a:prstGeom prst="rect">
               <a:avLst/>
@@ -2713,14 +2842,14 @@
         </p:sp>
         <p:sp>
           <p:nvSpPr>
-            <p:cNvPr id="16" name="rc16"/>
-            <p:cNvSpPr/>
-            <p:nvPr/>
-          </p:nvSpPr>
-          <p:spPr>
-            <a:xfrm>
-              <a:off x="3200888" y="3012787"/>
-              <a:ext cx="2043452" cy="305569"/>
+            <p:cNvPr id="19" name="rc19"/>
+            <p:cNvSpPr/>
+            <p:nvPr/>
+          </p:nvSpPr>
+          <p:spPr>
+            <a:xfrm>
+              <a:off x="3200888" y="2722361"/>
+              <a:ext cx="1605570" cy="324173"/>
             </a:xfrm>
             <a:prstGeom prst="rect">
               <a:avLst/>
@@ -2739,14 +2868,14 @@
         </p:sp>
         <p:sp>
           <p:nvSpPr>
-            <p:cNvPr id="17" name="rc17"/>
-            <p:cNvSpPr/>
-            <p:nvPr/>
-          </p:nvSpPr>
-          <p:spPr>
-            <a:xfrm>
-              <a:off x="3200888" y="3352309"/>
-              <a:ext cx="1929927" cy="305569"/>
+            <p:cNvPr id="20" name="rc20"/>
+            <p:cNvSpPr/>
+            <p:nvPr/>
+          </p:nvSpPr>
+          <p:spPr>
+            <a:xfrm>
+              <a:off x="3200888" y="3082554"/>
+              <a:ext cx="1516371" cy="324173"/>
             </a:xfrm>
             <a:prstGeom prst="rect">
               <a:avLst/>
@@ -2765,14 +2894,14 @@
         </p:sp>
         <p:sp>
           <p:nvSpPr>
-            <p:cNvPr id="18" name="rc18"/>
-            <p:cNvSpPr/>
-            <p:nvPr/>
-          </p:nvSpPr>
-          <p:spPr>
-            <a:xfrm>
-              <a:off x="3200888" y="4031353"/>
-              <a:ext cx="1702877" cy="305569"/>
+            <p:cNvPr id="21" name="rc21"/>
+            <p:cNvSpPr/>
+            <p:nvPr/>
+          </p:nvSpPr>
+          <p:spPr>
+            <a:xfrm>
+              <a:off x="3200888" y="3802940"/>
+              <a:ext cx="1337975" cy="324173"/>
             </a:xfrm>
             <a:prstGeom prst="rect">
               <a:avLst/>
@@ -2791,14 +2920,14 @@
         </p:sp>
         <p:sp>
           <p:nvSpPr>
-            <p:cNvPr id="19" name="rc19"/>
-            <p:cNvSpPr/>
-            <p:nvPr/>
-          </p:nvSpPr>
-          <p:spPr>
-            <a:xfrm>
-              <a:off x="3200888" y="3691831"/>
-              <a:ext cx="1702877" cy="305569"/>
+            <p:cNvPr id="22" name="rc22"/>
+            <p:cNvSpPr/>
+            <p:nvPr/>
+          </p:nvSpPr>
+          <p:spPr>
+            <a:xfrm>
+              <a:off x="3200888" y="3442747"/>
+              <a:ext cx="1337975" cy="324173"/>
             </a:xfrm>
             <a:prstGeom prst="rect">
               <a:avLst/>
@@ -2817,14 +2946,14 @@
         </p:sp>
         <p:sp>
           <p:nvSpPr>
-            <p:cNvPr id="20" name="rc20"/>
-            <p:cNvSpPr/>
-            <p:nvPr/>
-          </p:nvSpPr>
-          <p:spPr>
-            <a:xfrm>
-              <a:off x="3200888" y="4370876"/>
-              <a:ext cx="1362301" cy="305569"/>
+            <p:cNvPr id="23" name="rc23"/>
+            <p:cNvSpPr/>
+            <p:nvPr/>
+          </p:nvSpPr>
+          <p:spPr>
+            <a:xfrm>
+              <a:off x="3200888" y="4163133"/>
+              <a:ext cx="1070380" cy="324173"/>
             </a:xfrm>
             <a:prstGeom prst="rect">
               <a:avLst/>
@@ -2843,14 +2972,14 @@
         </p:sp>
         <p:sp>
           <p:nvSpPr>
-            <p:cNvPr id="21" name="rc21"/>
-            <p:cNvSpPr/>
-            <p:nvPr/>
-          </p:nvSpPr>
-          <p:spPr>
-            <a:xfrm>
-              <a:off x="3200888" y="4710398"/>
-              <a:ext cx="1248776" cy="305569"/>
+            <p:cNvPr id="24" name="rc24"/>
+            <p:cNvSpPr/>
+            <p:nvPr/>
+          </p:nvSpPr>
+          <p:spPr>
+            <a:xfrm>
+              <a:off x="3200888" y="4523326"/>
+              <a:ext cx="981181" cy="324173"/>
             </a:xfrm>
             <a:prstGeom prst="rect">
               <a:avLst/>
@@ -2869,14 +2998,14 @@
         </p:sp>
         <p:sp>
           <p:nvSpPr>
-            <p:cNvPr id="22" name="rc22"/>
-            <p:cNvSpPr/>
-            <p:nvPr/>
-          </p:nvSpPr>
-          <p:spPr>
-            <a:xfrm>
-              <a:off x="3200888" y="5049920"/>
-              <a:ext cx="1135251" cy="305569"/>
+            <p:cNvPr id="25" name="rc25"/>
+            <p:cNvSpPr/>
+            <p:nvPr/>
+          </p:nvSpPr>
+          <p:spPr>
+            <a:xfrm>
+              <a:off x="3200888" y="4883519"/>
+              <a:ext cx="891983" cy="324173"/>
             </a:xfrm>
             <a:prstGeom prst="rect">
               <a:avLst/>
@@ -2895,14 +3024,14 @@
         </p:sp>
         <p:sp>
           <p:nvSpPr>
-            <p:cNvPr id="23" name="rc23"/>
-            <p:cNvSpPr/>
-            <p:nvPr/>
-          </p:nvSpPr>
-          <p:spPr>
-            <a:xfrm>
-              <a:off x="3200888" y="5389442"/>
-              <a:ext cx="908201" cy="305569"/>
+            <p:cNvPr id="26" name="rc26"/>
+            <p:cNvSpPr/>
+            <p:nvPr/>
+          </p:nvSpPr>
+          <p:spPr>
+            <a:xfrm>
+              <a:off x="3200888" y="5243712"/>
+              <a:ext cx="713586" cy="324173"/>
             </a:xfrm>
             <a:prstGeom prst="rect">
               <a:avLst/>
@@ -2921,14 +3050,14 @@
         </p:sp>
         <p:sp>
           <p:nvSpPr>
-            <p:cNvPr id="24" name="rc24"/>
-            <p:cNvSpPr/>
-            <p:nvPr/>
-          </p:nvSpPr>
-          <p:spPr>
-            <a:xfrm>
-              <a:off x="3200888" y="6068486"/>
-              <a:ext cx="681150" cy="305569"/>
+            <p:cNvPr id="27" name="rc27"/>
+            <p:cNvSpPr/>
+            <p:nvPr/>
+          </p:nvSpPr>
+          <p:spPr>
+            <a:xfrm>
+              <a:off x="3200888" y="5964098"/>
+              <a:ext cx="535190" cy="324173"/>
             </a:xfrm>
             <a:prstGeom prst="rect">
               <a:avLst/>
@@ -2947,14 +3076,14 @@
         </p:sp>
         <p:sp>
           <p:nvSpPr>
-            <p:cNvPr id="25" name="rc25"/>
-            <p:cNvSpPr/>
-            <p:nvPr/>
-          </p:nvSpPr>
-          <p:spPr>
-            <a:xfrm>
-              <a:off x="3200888" y="5728964"/>
-              <a:ext cx="681150" cy="305569"/>
+            <p:cNvPr id="28" name="rc28"/>
+            <p:cNvSpPr/>
+            <p:nvPr/>
+          </p:nvSpPr>
+          <p:spPr>
+            <a:xfrm>
+              <a:off x="3200888" y="5603905"/>
+              <a:ext cx="535190" cy="324173"/>
             </a:xfrm>
             <a:prstGeom prst="rect">
               <a:avLst/>
@@ -2973,14 +3102,14 @@
         </p:sp>
         <p:sp>
           <p:nvSpPr>
-            <p:cNvPr id="26" name="rc26"/>
-            <p:cNvSpPr/>
-            <p:nvPr/>
-          </p:nvSpPr>
-          <p:spPr>
-            <a:xfrm>
-              <a:off x="3200888" y="6747530"/>
-              <a:ext cx="567625" cy="305569"/>
+            <p:cNvPr id="29" name="rc29"/>
+            <p:cNvSpPr/>
+            <p:nvPr/>
+          </p:nvSpPr>
+          <p:spPr>
+            <a:xfrm>
+              <a:off x="3200888" y="6684484"/>
+              <a:ext cx="445991" cy="324173"/>
             </a:xfrm>
             <a:prstGeom prst="rect">
               <a:avLst/>
@@ -2999,14 +3128,14 @@
         </p:sp>
         <p:sp>
           <p:nvSpPr>
-            <p:cNvPr id="27" name="rc27"/>
-            <p:cNvSpPr/>
-            <p:nvPr/>
-          </p:nvSpPr>
-          <p:spPr>
-            <a:xfrm>
-              <a:off x="3200888" y="6408008"/>
-              <a:ext cx="567625" cy="305569"/>
+            <p:cNvPr id="30" name="rc30"/>
+            <p:cNvSpPr/>
+            <p:nvPr/>
+          </p:nvSpPr>
+          <p:spPr>
+            <a:xfrm>
+              <a:off x="3200888" y="6324291"/>
+              <a:ext cx="445991" cy="324173"/>
             </a:xfrm>
             <a:prstGeom prst="rect">
               <a:avLst/>
@@ -3025,14 +3154,14 @@
         </p:sp>
         <p:sp>
           <p:nvSpPr>
-            <p:cNvPr id="28" name="rc28"/>
-            <p:cNvSpPr/>
-            <p:nvPr/>
-          </p:nvSpPr>
-          <p:spPr>
-            <a:xfrm>
-              <a:off x="3200888" y="7087053"/>
-              <a:ext cx="340575" cy="305569"/>
+            <p:cNvPr id="31" name="rc31"/>
+            <p:cNvSpPr/>
+            <p:nvPr/>
+          </p:nvSpPr>
+          <p:spPr>
+            <a:xfrm>
+              <a:off x="3200888" y="7044677"/>
+              <a:ext cx="267595" cy="324173"/>
             </a:xfrm>
             <a:prstGeom prst="rect">
               <a:avLst/>
@@ -3051,14 +3180,14 @@
         </p:sp>
         <p:sp>
           <p:nvSpPr>
-            <p:cNvPr id="29" name="rc29"/>
-            <p:cNvSpPr/>
-            <p:nvPr/>
-          </p:nvSpPr>
-          <p:spPr>
-            <a:xfrm>
-              <a:off x="3200888" y="7426575"/>
-              <a:ext cx="227050" cy="305569"/>
+            <p:cNvPr id="32" name="rc32"/>
+            <p:cNvSpPr/>
+            <p:nvPr/>
+          </p:nvSpPr>
+          <p:spPr>
+            <a:xfrm>
+              <a:off x="3200888" y="7404870"/>
+              <a:ext cx="178396" cy="324173"/>
             </a:xfrm>
             <a:prstGeom prst="rect">
               <a:avLst/>
@@ -3077,14 +3206,14 @@
         </p:sp>
         <p:sp>
           <p:nvSpPr>
-            <p:cNvPr id="30" name="tx30"/>
-            <p:cNvSpPr/>
-            <p:nvPr/>
-          </p:nvSpPr>
-          <p:spPr>
-            <a:xfrm>
-              <a:off x="7338035" y="1739995"/>
-              <a:ext cx="200965" cy="132153"/>
+            <p:cNvPr id="33" name="tx33"/>
+            <p:cNvSpPr/>
+            <p:nvPr/>
+          </p:nvSpPr>
+          <p:spPr>
+            <a:xfrm>
+              <a:off x="6595306" y="1338782"/>
+              <a:ext cx="733109" cy="169559"/>
             </a:xfrm>
             <a:prstGeom prst="rect">
               <a:avLst/>
@@ -3116,21 +3245,21 @@
                   <a:latin typeface="Arial"/>
                   <a:cs typeface="Arial"/>
                 </a:rPr>
-                <a:t>36</a:t>
+                <a:t>36 (42%)</a:t>
               </a:r>
             </a:p>
           </p:txBody>
         </p:sp>
         <p:sp>
           <p:nvSpPr>
-            <p:cNvPr id="31" name="tx31"/>
-            <p:cNvSpPr/>
-            <p:nvPr/>
-          </p:nvSpPr>
-          <p:spPr>
-            <a:xfrm>
-              <a:off x="6770409" y="2079517"/>
-              <a:ext cx="200965" cy="132153"/>
+            <p:cNvPr id="34" name="tx34"/>
+            <p:cNvSpPr/>
+            <p:nvPr/>
+          </p:nvSpPr>
+          <p:spPr>
+            <a:xfrm>
+              <a:off x="6149314" y="1698975"/>
+              <a:ext cx="733109" cy="169559"/>
             </a:xfrm>
             <a:prstGeom prst="rect">
               <a:avLst/>
@@ -3162,21 +3291,21 @@
                   <a:latin typeface="Arial"/>
                   <a:cs typeface="Arial"/>
                 </a:rPr>
-                <a:t>31</a:t>
+                <a:t>31 (36%)</a:t>
               </a:r>
             </a:p>
           </p:txBody>
         </p:sp>
         <p:sp>
           <p:nvSpPr>
-            <p:cNvPr id="32" name="tx32"/>
-            <p:cNvSpPr/>
-            <p:nvPr/>
-          </p:nvSpPr>
-          <p:spPr>
-            <a:xfrm>
-              <a:off x="6089258" y="2419127"/>
-              <a:ext cx="200965" cy="132065"/>
+            <p:cNvPr id="35" name="tx35"/>
+            <p:cNvSpPr/>
+            <p:nvPr/>
+          </p:nvSpPr>
+          <p:spPr>
+            <a:xfrm>
+              <a:off x="5614124" y="2059168"/>
+              <a:ext cx="733109" cy="169559"/>
             </a:xfrm>
             <a:prstGeom prst="rect">
               <a:avLst/>
@@ -3208,21 +3337,21 @@
                   <a:latin typeface="Arial"/>
                   <a:cs typeface="Arial"/>
                 </a:rPr>
-                <a:t>25</a:t>
+                <a:t>25 (29%)</a:t>
               </a:r>
             </a:p>
           </p:txBody>
         </p:sp>
         <p:sp>
           <p:nvSpPr>
-            <p:cNvPr id="33" name="tx33"/>
-            <p:cNvSpPr/>
-            <p:nvPr/>
-          </p:nvSpPr>
-          <p:spPr>
-            <a:xfrm>
-              <a:off x="5862208" y="2758561"/>
-              <a:ext cx="200965" cy="132153"/>
+            <p:cNvPr id="36" name="tx36"/>
+            <p:cNvSpPr/>
+            <p:nvPr/>
+          </p:nvSpPr>
+          <p:spPr>
+            <a:xfrm>
+              <a:off x="5435727" y="2419361"/>
+              <a:ext cx="733109" cy="169559"/>
             </a:xfrm>
             <a:prstGeom prst="rect">
               <a:avLst/>
@@ -3254,21 +3383,21 @@
                   <a:latin typeface="Arial"/>
                   <a:cs typeface="Arial"/>
                 </a:rPr>
-                <a:t>23</a:t>
+                <a:t>23 (27%)</a:t>
               </a:r>
             </a:p>
           </p:txBody>
         </p:sp>
         <p:sp>
           <p:nvSpPr>
-            <p:cNvPr id="34" name="tx34"/>
-            <p:cNvSpPr/>
-            <p:nvPr/>
-          </p:nvSpPr>
-          <p:spPr>
-            <a:xfrm>
-              <a:off x="5294582" y="3098172"/>
-              <a:ext cx="200965" cy="132065"/>
+            <p:cNvPr id="37" name="tx37"/>
+            <p:cNvSpPr/>
+            <p:nvPr/>
+          </p:nvSpPr>
+          <p:spPr>
+            <a:xfrm>
+              <a:off x="4989736" y="2779554"/>
+              <a:ext cx="733109" cy="169559"/>
             </a:xfrm>
             <a:prstGeom prst="rect">
               <a:avLst/>
@@ -3300,21 +3429,21 @@
                   <a:latin typeface="Arial"/>
                   <a:cs typeface="Arial"/>
                 </a:rPr>
-                <a:t>18</a:t>
+                <a:t>18 (21%)</a:t>
               </a:r>
             </a:p>
           </p:txBody>
         </p:sp>
         <p:sp>
           <p:nvSpPr>
-            <p:cNvPr id="35" name="tx35"/>
-            <p:cNvSpPr/>
-            <p:nvPr/>
-          </p:nvSpPr>
-          <p:spPr>
-            <a:xfrm>
-              <a:off x="5181057" y="3439899"/>
-              <a:ext cx="200965" cy="129860"/>
+            <p:cNvPr id="38" name="tx38"/>
+            <p:cNvSpPr/>
+            <p:nvPr/>
+          </p:nvSpPr>
+          <p:spPr>
+            <a:xfrm>
+              <a:off x="4900537" y="3139747"/>
+              <a:ext cx="733109" cy="169559"/>
             </a:xfrm>
             <a:prstGeom prst="rect">
               <a:avLst/>
@@ -3346,21 +3475,21 @@
                   <a:latin typeface="Arial"/>
                   <a:cs typeface="Arial"/>
                 </a:rPr>
-                <a:t>17</a:t>
+                <a:t>17 (20%)</a:t>
               </a:r>
             </a:p>
           </p:txBody>
         </p:sp>
         <p:sp>
           <p:nvSpPr>
-            <p:cNvPr id="36" name="tx36"/>
-            <p:cNvSpPr/>
-            <p:nvPr/>
-          </p:nvSpPr>
-          <p:spPr>
-            <a:xfrm>
-              <a:off x="4954007" y="4116738"/>
-              <a:ext cx="200965" cy="132065"/>
+            <p:cNvPr id="39" name="tx39"/>
+            <p:cNvSpPr/>
+            <p:nvPr/>
+          </p:nvSpPr>
+          <p:spPr>
+            <a:xfrm>
+              <a:off x="4722141" y="3860133"/>
+              <a:ext cx="733109" cy="169559"/>
             </a:xfrm>
             <a:prstGeom prst="rect">
               <a:avLst/>
@@ -3392,21 +3521,21 @@
                   <a:latin typeface="Arial"/>
                   <a:cs typeface="Arial"/>
                 </a:rPr>
-                <a:t>15</a:t>
+                <a:t>15 (18%)</a:t>
               </a:r>
             </a:p>
           </p:txBody>
         </p:sp>
         <p:sp>
           <p:nvSpPr>
-            <p:cNvPr id="37" name="tx37"/>
-            <p:cNvSpPr/>
-            <p:nvPr/>
-          </p:nvSpPr>
-          <p:spPr>
-            <a:xfrm>
-              <a:off x="4954007" y="3777216"/>
-              <a:ext cx="200965" cy="132065"/>
+            <p:cNvPr id="40" name="tx40"/>
+            <p:cNvSpPr/>
+            <p:nvPr/>
+          </p:nvSpPr>
+          <p:spPr>
+            <a:xfrm>
+              <a:off x="4722141" y="3499940"/>
+              <a:ext cx="733109" cy="169559"/>
             </a:xfrm>
             <a:prstGeom prst="rect">
               <a:avLst/>
@@ -3438,21 +3567,21 @@
                   <a:latin typeface="Arial"/>
                   <a:cs typeface="Arial"/>
                 </a:rPr>
-                <a:t>15</a:t>
+                <a:t>15 (18%)</a:t>
               </a:r>
             </a:p>
           </p:txBody>
         </p:sp>
         <p:sp>
           <p:nvSpPr>
-            <p:cNvPr id="38" name="tx38"/>
-            <p:cNvSpPr/>
-            <p:nvPr/>
-          </p:nvSpPr>
-          <p:spPr>
-            <a:xfrm>
-              <a:off x="4613431" y="4458466"/>
-              <a:ext cx="200965" cy="129860"/>
+            <p:cNvPr id="41" name="tx41"/>
+            <p:cNvSpPr/>
+            <p:nvPr/>
+          </p:nvSpPr>
+          <p:spPr>
+            <a:xfrm>
+              <a:off x="4454546" y="4220326"/>
+              <a:ext cx="733109" cy="169559"/>
             </a:xfrm>
             <a:prstGeom prst="rect">
               <a:avLst/>
@@ -3484,21 +3613,21 @@
                   <a:latin typeface="Arial"/>
                   <a:cs typeface="Arial"/>
                 </a:rPr>
-                <a:t>12</a:t>
+                <a:t>12 (14%)</a:t>
               </a:r>
             </a:p>
           </p:txBody>
         </p:sp>
         <p:sp>
           <p:nvSpPr>
-            <p:cNvPr id="39" name="tx39"/>
-            <p:cNvSpPr/>
-            <p:nvPr/>
-          </p:nvSpPr>
-          <p:spPr>
-            <a:xfrm>
-              <a:off x="4499906" y="4797988"/>
-              <a:ext cx="200965" cy="129860"/>
+            <p:cNvPr id="42" name="tx42"/>
+            <p:cNvSpPr/>
+            <p:nvPr/>
+          </p:nvSpPr>
+          <p:spPr>
+            <a:xfrm>
+              <a:off x="4365347" y="4580519"/>
+              <a:ext cx="733109" cy="169559"/>
             </a:xfrm>
             <a:prstGeom prst="rect">
               <a:avLst/>
@@ -3530,21 +3659,21 @@
                   <a:latin typeface="Arial"/>
                   <a:cs typeface="Arial"/>
                 </a:rPr>
-                <a:t>11</a:t>
+                <a:t>11 (13%)</a:t>
               </a:r>
             </a:p>
           </p:txBody>
         </p:sp>
         <p:sp>
           <p:nvSpPr>
-            <p:cNvPr id="40" name="tx40"/>
-            <p:cNvSpPr/>
-            <p:nvPr/>
-          </p:nvSpPr>
-          <p:spPr>
-            <a:xfrm>
-              <a:off x="4386381" y="5135305"/>
-              <a:ext cx="200965" cy="132065"/>
+            <p:cNvPr id="43" name="tx43"/>
+            <p:cNvSpPr/>
+            <p:nvPr/>
+          </p:nvSpPr>
+          <p:spPr>
+            <a:xfrm>
+              <a:off x="4276149" y="4940712"/>
+              <a:ext cx="733109" cy="169559"/>
             </a:xfrm>
             <a:prstGeom prst="rect">
               <a:avLst/>
@@ -3576,21 +3705,21 @@
                   <a:latin typeface="Arial"/>
                   <a:cs typeface="Arial"/>
                 </a:rPr>
-                <a:t>10</a:t>
+                <a:t>10 (12%)</a:t>
               </a:r>
             </a:p>
           </p:txBody>
         </p:sp>
         <p:sp>
           <p:nvSpPr>
-            <p:cNvPr id="41" name="tx41"/>
-            <p:cNvSpPr/>
-            <p:nvPr/>
-          </p:nvSpPr>
-          <p:spPr>
-            <a:xfrm>
-              <a:off x="4134210" y="5474827"/>
-              <a:ext cx="100482" cy="132065"/>
+            <p:cNvPr id="44" name="tx44"/>
+            <p:cNvSpPr/>
+            <p:nvPr/>
+          </p:nvSpPr>
+          <p:spPr>
+            <a:xfrm>
+              <a:off x="4047511" y="5300905"/>
+              <a:ext cx="532144" cy="169559"/>
             </a:xfrm>
             <a:prstGeom prst="rect">
               <a:avLst/>
@@ -3622,21 +3751,21 @@
                   <a:latin typeface="Arial"/>
                   <a:cs typeface="Arial"/>
                 </a:rPr>
-                <a:t>8</a:t>
+                <a:t>8 (9%)</a:t>
               </a:r>
             </a:p>
           </p:txBody>
         </p:sp>
         <p:sp>
           <p:nvSpPr>
-            <p:cNvPr id="42" name="tx42"/>
-            <p:cNvSpPr/>
-            <p:nvPr/>
-          </p:nvSpPr>
-          <p:spPr>
-            <a:xfrm>
-              <a:off x="3907160" y="6153871"/>
-              <a:ext cx="100482" cy="132065"/>
+            <p:cNvPr id="45" name="tx45"/>
+            <p:cNvSpPr/>
+            <p:nvPr/>
+          </p:nvSpPr>
+          <p:spPr>
+            <a:xfrm>
+              <a:off x="3869114" y="6021291"/>
+              <a:ext cx="532144" cy="169559"/>
             </a:xfrm>
             <a:prstGeom prst="rect">
               <a:avLst/>
@@ -3668,21 +3797,21 @@
                   <a:latin typeface="Arial"/>
                   <a:cs typeface="Arial"/>
                 </a:rPr>
-                <a:t>6</a:t>
+                <a:t>6 (7%)</a:t>
               </a:r>
             </a:p>
           </p:txBody>
         </p:sp>
         <p:sp>
           <p:nvSpPr>
-            <p:cNvPr id="43" name="tx43"/>
-            <p:cNvSpPr/>
-            <p:nvPr/>
-          </p:nvSpPr>
-          <p:spPr>
-            <a:xfrm>
-              <a:off x="3907160" y="5814349"/>
-              <a:ext cx="100482" cy="132065"/>
+            <p:cNvPr id="46" name="tx46"/>
+            <p:cNvSpPr/>
+            <p:nvPr/>
+          </p:nvSpPr>
+          <p:spPr>
+            <a:xfrm>
+              <a:off x="3869114" y="5661098"/>
+              <a:ext cx="532144" cy="169559"/>
             </a:xfrm>
             <a:prstGeom prst="rect">
               <a:avLst/>
@@ -3714,21 +3843,21 @@
                   <a:latin typeface="Arial"/>
                   <a:cs typeface="Arial"/>
                 </a:rPr>
-                <a:t>6</a:t>
+                <a:t>6 (7%)</a:t>
               </a:r>
             </a:p>
           </p:txBody>
         </p:sp>
         <p:sp>
           <p:nvSpPr>
-            <p:cNvPr id="44" name="tx44"/>
-            <p:cNvSpPr/>
-            <p:nvPr/>
-          </p:nvSpPr>
-          <p:spPr>
-            <a:xfrm>
-              <a:off x="3793635" y="6835209"/>
-              <a:ext cx="100482" cy="129771"/>
+            <p:cNvPr id="47" name="tx47"/>
+            <p:cNvSpPr/>
+            <p:nvPr/>
+          </p:nvSpPr>
+          <p:spPr>
+            <a:xfrm>
+              <a:off x="3779916" y="6741677"/>
+              <a:ext cx="532144" cy="169559"/>
             </a:xfrm>
             <a:prstGeom prst="rect">
               <a:avLst/>
@@ -3760,21 +3889,21 @@
                   <a:latin typeface="Arial"/>
                   <a:cs typeface="Arial"/>
                 </a:rPr>
-                <a:t>5</a:t>
+                <a:t>5 (6%)</a:t>
               </a:r>
             </a:p>
           </p:txBody>
         </p:sp>
         <p:sp>
           <p:nvSpPr>
-            <p:cNvPr id="45" name="tx45"/>
-            <p:cNvSpPr/>
-            <p:nvPr/>
-          </p:nvSpPr>
-          <p:spPr>
-            <a:xfrm>
-              <a:off x="3793635" y="6495687"/>
-              <a:ext cx="100482" cy="129771"/>
+            <p:cNvPr id="48" name="tx48"/>
+            <p:cNvSpPr/>
+            <p:nvPr/>
+          </p:nvSpPr>
+          <p:spPr>
+            <a:xfrm>
+              <a:off x="3779916" y="6381484"/>
+              <a:ext cx="532144" cy="169559"/>
             </a:xfrm>
             <a:prstGeom prst="rect">
               <a:avLst/>
@@ -3806,21 +3935,21 @@
                   <a:latin typeface="Arial"/>
                   <a:cs typeface="Arial"/>
                 </a:rPr>
-                <a:t>5</a:t>
+                <a:t>5 (6%)</a:t>
               </a:r>
             </a:p>
           </p:txBody>
         </p:sp>
         <p:sp>
           <p:nvSpPr>
-            <p:cNvPr id="46" name="tx46"/>
-            <p:cNvSpPr/>
-            <p:nvPr/>
-          </p:nvSpPr>
-          <p:spPr>
-            <a:xfrm>
-              <a:off x="3566584" y="7172349"/>
-              <a:ext cx="100482" cy="132153"/>
+            <p:cNvPr id="49" name="tx49"/>
+            <p:cNvSpPr/>
+            <p:nvPr/>
+          </p:nvSpPr>
+          <p:spPr>
+            <a:xfrm>
+              <a:off x="3601519" y="7101870"/>
+              <a:ext cx="532144" cy="169559"/>
             </a:xfrm>
             <a:prstGeom prst="rect">
               <a:avLst/>
@@ -3852,21 +3981,21 @@
                   <a:latin typeface="Arial"/>
                   <a:cs typeface="Arial"/>
                 </a:rPr>
-                <a:t>3</a:t>
+                <a:t>3 (4%)</a:t>
               </a:r>
             </a:p>
           </p:txBody>
         </p:sp>
         <p:sp>
           <p:nvSpPr>
-            <p:cNvPr id="47" name="tx47"/>
-            <p:cNvSpPr/>
-            <p:nvPr/>
-          </p:nvSpPr>
-          <p:spPr>
-            <a:xfrm>
-              <a:off x="3453059" y="7514165"/>
-              <a:ext cx="100482" cy="129860"/>
+            <p:cNvPr id="50" name="tx50"/>
+            <p:cNvSpPr/>
+            <p:nvPr/>
+          </p:nvSpPr>
+          <p:spPr>
+            <a:xfrm>
+              <a:off x="3512321" y="7462063"/>
+              <a:ext cx="532144" cy="169559"/>
             </a:xfrm>
             <a:prstGeom prst="rect">
               <a:avLst/>
@@ -3898,28 +4027,28 @@
                   <a:latin typeface="Arial"/>
                   <a:cs typeface="Arial"/>
                 </a:rPr>
-                <a:t>2</a:t>
+                <a:t>2 (2%)</a:t>
               </a:r>
             </a:p>
           </p:txBody>
         </p:sp>
         <p:sp>
           <p:nvSpPr>
-            <p:cNvPr id="48" name="pl48"/>
-            <p:cNvSpPr/>
-            <p:nvPr/>
-          </p:nvSpPr>
-          <p:spPr>
-            <a:xfrm>
-              <a:off x="3200888" y="1603770"/>
-              <a:ext cx="0" cy="6179302"/>
+            <p:cNvPr id="51" name="pl51"/>
+            <p:cNvSpPr/>
+            <p:nvPr/>
+          </p:nvSpPr>
+          <p:spPr>
+            <a:xfrm>
+              <a:off x="3200888" y="1227560"/>
+              <a:ext cx="0" cy="6555513"/>
             </a:xfrm>
             <a:custGeom>
               <a:avLst/>
               <a:pathLst>
-                <a:path w="0" h="6179302">
+                <a:path w="0" h="6555513">
                   <a:moveTo>
-                    <a:pt x="0" y="6179302"/>
+                    <a:pt x="0" y="6555513"/>
                   </a:moveTo>
                   <a:lnTo>
                     <a:pt x="0" y="0"/>
@@ -3945,13 +4074,13 @@
         </p:sp>
         <p:sp>
           <p:nvSpPr>
-            <p:cNvPr id="49" name="tx49"/>
-            <p:cNvSpPr/>
-            <p:nvPr/>
-          </p:nvSpPr>
-          <p:spPr>
-            <a:xfrm>
-              <a:off x="2295342" y="7506647"/>
+            <p:cNvPr id="52" name="tx52"/>
+            <p:cNvSpPr/>
+            <p:nvPr/>
+          </p:nvSpPr>
+          <p:spPr>
+            <a:xfrm>
+              <a:off x="2295342" y="7494244"/>
               <a:ext cx="835053" cy="119466"/>
             </a:xfrm>
             <a:prstGeom prst="rect">
@@ -3991,13 +4120,13 @@
         </p:sp>
         <p:sp>
           <p:nvSpPr>
-            <p:cNvPr id="50" name="tx50"/>
-            <p:cNvSpPr/>
-            <p:nvPr/>
-          </p:nvSpPr>
-          <p:spPr>
-            <a:xfrm>
-              <a:off x="2171793" y="7165594"/>
+            <p:cNvPr id="53" name="tx53"/>
+            <p:cNvSpPr/>
+            <p:nvPr/>
+          </p:nvSpPr>
+          <p:spPr>
+            <a:xfrm>
+              <a:off x="2171793" y="7132520"/>
               <a:ext cx="958601" cy="120997"/>
             </a:xfrm>
             <a:prstGeom prst="rect">
@@ -4037,13 +4166,13 @@
         </p:sp>
         <p:sp>
           <p:nvSpPr>
-            <p:cNvPr id="51" name="tx51"/>
-            <p:cNvSpPr/>
-            <p:nvPr/>
-          </p:nvSpPr>
-          <p:spPr>
-            <a:xfrm>
-              <a:off x="1162675" y="6754575"/>
+            <p:cNvPr id="54" name="tx54"/>
+            <p:cNvSpPr/>
+            <p:nvPr/>
+          </p:nvSpPr>
+          <p:spPr>
+            <a:xfrm>
+              <a:off x="1162675" y="6700831"/>
               <a:ext cx="1967720" cy="121954"/>
             </a:xfrm>
             <a:prstGeom prst="rect">
@@ -4083,13 +4212,13 @@
         </p:sp>
         <p:sp>
           <p:nvSpPr>
-            <p:cNvPr id="52" name="tx52"/>
-            <p:cNvSpPr/>
-            <p:nvPr/>
-          </p:nvSpPr>
-          <p:spPr>
-            <a:xfrm>
-              <a:off x="2469662" y="6922571"/>
+            <p:cNvPr id="55" name="tx55"/>
+            <p:cNvSpPr/>
+            <p:nvPr/>
+          </p:nvSpPr>
+          <p:spPr>
+            <a:xfrm>
+              <a:off x="2469662" y="6868826"/>
               <a:ext cx="660733" cy="95037"/>
             </a:xfrm>
             <a:prstGeom prst="rect">
@@ -4129,13 +4258,13 @@
         </p:sp>
         <p:sp>
           <p:nvSpPr>
-            <p:cNvPr id="53" name="tx53"/>
-            <p:cNvSpPr/>
-            <p:nvPr/>
-          </p:nvSpPr>
-          <p:spPr>
-            <a:xfrm>
-              <a:off x="1322134" y="6487570"/>
+            <p:cNvPr id="56" name="tx56"/>
+            <p:cNvSpPr/>
+            <p:nvPr/>
+          </p:nvSpPr>
+          <p:spPr>
+            <a:xfrm>
+              <a:off x="1322134" y="6413155"/>
               <a:ext cx="1808261" cy="119976"/>
             </a:xfrm>
             <a:prstGeom prst="rect">
@@ -4175,13 +4304,13 @@
         </p:sp>
         <p:sp>
           <p:nvSpPr>
-            <p:cNvPr id="54" name="tx54"/>
-            <p:cNvSpPr/>
-            <p:nvPr/>
-          </p:nvSpPr>
-          <p:spPr>
-            <a:xfrm>
-              <a:off x="886811" y="6146517"/>
+            <p:cNvPr id="57" name="tx57"/>
+            <p:cNvSpPr/>
+            <p:nvPr/>
+          </p:nvSpPr>
+          <p:spPr>
+            <a:xfrm>
+              <a:off x="886811" y="6051431"/>
               <a:ext cx="2243583" cy="121507"/>
             </a:xfrm>
             <a:prstGeom prst="rect">
@@ -4221,13 +4350,13 @@
         </p:sp>
         <p:sp>
           <p:nvSpPr>
-            <p:cNvPr id="55" name="tx55"/>
-            <p:cNvSpPr/>
-            <p:nvPr/>
-          </p:nvSpPr>
-          <p:spPr>
-            <a:xfrm>
-              <a:off x="1707003" y="5807505"/>
+            <p:cNvPr id="58" name="tx58"/>
+            <p:cNvSpPr/>
+            <p:nvPr/>
+          </p:nvSpPr>
+          <p:spPr>
+            <a:xfrm>
+              <a:off x="1707003" y="5691748"/>
               <a:ext cx="1423392" cy="120997"/>
             </a:xfrm>
             <a:prstGeom prst="rect">
@@ -4267,13 +4396,13 @@
         </p:sp>
         <p:sp>
           <p:nvSpPr>
-            <p:cNvPr id="56" name="tx56"/>
-            <p:cNvSpPr/>
-            <p:nvPr/>
-          </p:nvSpPr>
-          <p:spPr>
-            <a:xfrm>
-              <a:off x="1467688" y="5467473"/>
+            <p:cNvPr id="59" name="tx59"/>
+            <p:cNvSpPr/>
+            <p:nvPr/>
+          </p:nvSpPr>
+          <p:spPr>
+            <a:xfrm>
+              <a:off x="1467688" y="5331045"/>
               <a:ext cx="1662707" cy="121507"/>
             </a:xfrm>
             <a:prstGeom prst="rect">
@@ -4313,13 +4442,13 @@
         </p:sp>
         <p:sp>
           <p:nvSpPr>
-            <p:cNvPr id="57" name="tx57"/>
-            <p:cNvSpPr/>
-            <p:nvPr/>
-          </p:nvSpPr>
-          <p:spPr>
-            <a:xfrm>
-              <a:off x="2219759" y="5154421"/>
+            <p:cNvPr id="60" name="tx60"/>
+            <p:cNvSpPr/>
+            <p:nvPr/>
+          </p:nvSpPr>
+          <p:spPr>
+            <a:xfrm>
+              <a:off x="2219759" y="4997322"/>
               <a:ext cx="910636" cy="95037"/>
             </a:xfrm>
             <a:prstGeom prst="rect">
@@ -4359,13 +4488,13 @@
         </p:sp>
         <p:sp>
           <p:nvSpPr>
-            <p:cNvPr id="58" name="tx58"/>
-            <p:cNvSpPr/>
-            <p:nvPr/>
-          </p:nvSpPr>
-          <p:spPr>
-            <a:xfrm>
-              <a:off x="1162420" y="4673309"/>
+            <p:cNvPr id="61" name="tx61"/>
+            <p:cNvSpPr/>
+            <p:nvPr/>
+          </p:nvSpPr>
+          <p:spPr>
+            <a:xfrm>
+              <a:off x="1162420" y="4495540"/>
               <a:ext cx="1967975" cy="95547"/>
             </a:xfrm>
             <a:prstGeom prst="rect">
@@ -4405,13 +4534,13 @@
         </p:sp>
         <p:sp>
           <p:nvSpPr>
-            <p:cNvPr id="59" name="tx59"/>
-            <p:cNvSpPr/>
-            <p:nvPr/>
-          </p:nvSpPr>
-          <p:spPr>
-            <a:xfrm>
-              <a:off x="937137" y="4788428"/>
+            <p:cNvPr id="62" name="tx62"/>
+            <p:cNvSpPr/>
+            <p:nvPr/>
+          </p:nvSpPr>
+          <p:spPr>
+            <a:xfrm>
+              <a:off x="937137" y="4610659"/>
               <a:ext cx="2193258" cy="121507"/>
             </a:xfrm>
             <a:prstGeom prst="rect">
@@ -4451,13 +4580,13 @@
         </p:sp>
         <p:sp>
           <p:nvSpPr>
-            <p:cNvPr id="60" name="tx60"/>
-            <p:cNvSpPr/>
-            <p:nvPr/>
-          </p:nvSpPr>
-          <p:spPr>
-            <a:xfrm>
-              <a:off x="1946574" y="4931038"/>
+            <p:cNvPr id="63" name="tx63"/>
+            <p:cNvSpPr/>
+            <p:nvPr/>
+          </p:nvSpPr>
+          <p:spPr>
+            <a:xfrm>
+              <a:off x="1946574" y="4753268"/>
               <a:ext cx="1183821" cy="119976"/>
             </a:xfrm>
             <a:prstGeom prst="rect">
@@ -4497,13 +4626,13 @@
         </p:sp>
         <p:sp>
           <p:nvSpPr>
-            <p:cNvPr id="61" name="tx61"/>
-            <p:cNvSpPr/>
-            <p:nvPr/>
-          </p:nvSpPr>
-          <p:spPr>
-            <a:xfrm>
-              <a:off x="712236" y="4378877"/>
+            <p:cNvPr id="64" name="tx64"/>
+            <p:cNvSpPr/>
+            <p:nvPr/>
+          </p:nvSpPr>
+          <p:spPr>
+            <a:xfrm>
+              <a:off x="712236" y="4180436"/>
               <a:ext cx="2418159" cy="120997"/>
             </a:xfrm>
             <a:prstGeom prst="rect">
@@ -4543,13 +4672,13 @@
         </p:sp>
         <p:sp>
           <p:nvSpPr>
-            <p:cNvPr id="62" name="tx62"/>
-            <p:cNvSpPr/>
-            <p:nvPr/>
-          </p:nvSpPr>
-          <p:spPr>
-            <a:xfrm>
-              <a:off x="2172112" y="4519446"/>
+            <p:cNvPr id="65" name="tx65"/>
+            <p:cNvSpPr/>
+            <p:nvPr/>
+          </p:nvSpPr>
+          <p:spPr>
+            <a:xfrm>
+              <a:off x="2172112" y="4321005"/>
               <a:ext cx="958283" cy="121507"/>
             </a:xfrm>
             <a:prstGeom prst="rect">
@@ -4589,13 +4718,13 @@
         </p:sp>
         <p:sp>
           <p:nvSpPr>
-            <p:cNvPr id="63" name="tx63"/>
-            <p:cNvSpPr/>
-            <p:nvPr/>
-          </p:nvSpPr>
-          <p:spPr>
-            <a:xfrm>
-              <a:off x="1279016" y="4109384"/>
+            <p:cNvPr id="66" name="tx66"/>
+            <p:cNvSpPr/>
+            <p:nvPr/>
+          </p:nvSpPr>
+          <p:spPr>
+            <a:xfrm>
+              <a:off x="1279016" y="3890273"/>
               <a:ext cx="1851379" cy="121507"/>
             </a:xfrm>
             <a:prstGeom prst="rect">
@@ -4635,13 +4764,13 @@
         </p:sp>
         <p:sp>
           <p:nvSpPr>
-            <p:cNvPr id="64" name="tx64"/>
-            <p:cNvSpPr/>
-            <p:nvPr/>
-          </p:nvSpPr>
-          <p:spPr>
-            <a:xfrm>
-              <a:off x="1961563" y="3796332"/>
+            <p:cNvPr id="67" name="tx67"/>
+            <p:cNvSpPr/>
+            <p:nvPr/>
+          </p:nvSpPr>
+          <p:spPr>
+            <a:xfrm>
+              <a:off x="1961563" y="3556550"/>
               <a:ext cx="1168832" cy="95037"/>
             </a:xfrm>
             <a:prstGeom prst="rect">
@@ -4681,13 +4810,13 @@
         </p:sp>
         <p:sp>
           <p:nvSpPr>
-            <p:cNvPr id="65" name="tx65"/>
-            <p:cNvSpPr/>
-            <p:nvPr/>
-          </p:nvSpPr>
-          <p:spPr>
-            <a:xfrm>
-              <a:off x="1104632" y="3386271"/>
+            <p:cNvPr id="68" name="tx68"/>
+            <p:cNvSpPr/>
+            <p:nvPr/>
+          </p:nvSpPr>
+          <p:spPr>
+            <a:xfrm>
+              <a:off x="1104632" y="3125817"/>
               <a:ext cx="2025763" cy="95037"/>
             </a:xfrm>
             <a:prstGeom prst="rect">
@@ -4727,13 +4856,13 @@
         </p:sp>
         <p:sp>
           <p:nvSpPr>
-            <p:cNvPr id="66" name="tx66"/>
-            <p:cNvSpPr/>
-            <p:nvPr/>
-          </p:nvSpPr>
-          <p:spPr>
-            <a:xfrm>
-              <a:off x="2607498" y="3501390"/>
+            <p:cNvPr id="69" name="tx69"/>
+            <p:cNvSpPr/>
+            <p:nvPr/>
+          </p:nvSpPr>
+          <p:spPr>
+            <a:xfrm>
+              <a:off x="2607498" y="3240936"/>
               <a:ext cx="522896" cy="120997"/>
             </a:xfrm>
             <a:prstGeom prst="rect">
@@ -4773,13 +4902,13 @@
         </p:sp>
         <p:sp>
           <p:nvSpPr>
-            <p:cNvPr id="67" name="tx67"/>
-            <p:cNvSpPr/>
-            <p:nvPr/>
-          </p:nvSpPr>
-          <p:spPr>
-            <a:xfrm>
-              <a:off x="2026495" y="3092859"/>
+            <p:cNvPr id="70" name="tx70"/>
+            <p:cNvSpPr/>
+            <p:nvPr/>
+          </p:nvSpPr>
+          <p:spPr>
+            <a:xfrm>
+              <a:off x="2026495" y="2811735"/>
               <a:ext cx="1103900" cy="119466"/>
             </a:xfrm>
             <a:prstGeom prst="rect">
@@ -4819,13 +4948,13 @@
         </p:sp>
         <p:sp>
           <p:nvSpPr>
-            <p:cNvPr id="68" name="tx68"/>
-            <p:cNvSpPr/>
-            <p:nvPr/>
-          </p:nvSpPr>
-          <p:spPr>
-            <a:xfrm>
-              <a:off x="1486121" y="2750211"/>
+            <p:cNvPr id="71" name="tx71"/>
+            <p:cNvSpPr/>
+            <p:nvPr/>
+          </p:nvSpPr>
+          <p:spPr>
+            <a:xfrm>
+              <a:off x="1486121" y="2448416"/>
               <a:ext cx="1644274" cy="122591"/>
             </a:xfrm>
             <a:prstGeom prst="rect">
@@ -4865,13 +4994,13 @@
         </p:sp>
         <p:sp>
           <p:nvSpPr>
-            <p:cNvPr id="69" name="tx69"/>
-            <p:cNvSpPr/>
-            <p:nvPr/>
-          </p:nvSpPr>
-          <p:spPr>
-            <a:xfrm>
-              <a:off x="1264282" y="2350738"/>
+            <p:cNvPr id="72" name="tx72"/>
+            <p:cNvSpPr/>
+            <p:nvPr/>
+          </p:nvSpPr>
+          <p:spPr>
+            <a:xfrm>
+              <a:off x="1264282" y="2028272"/>
               <a:ext cx="1866113" cy="112003"/>
             </a:xfrm>
             <a:prstGeom prst="rect">
@@ -4911,13 +5040,13 @@
         </p:sp>
         <p:sp>
           <p:nvSpPr>
-            <p:cNvPr id="70" name="tx70"/>
-            <p:cNvSpPr/>
-            <p:nvPr/>
-          </p:nvSpPr>
-          <p:spPr>
-            <a:xfrm>
-              <a:off x="2651318" y="2508783"/>
+            <p:cNvPr id="73" name="tx73"/>
+            <p:cNvSpPr/>
+            <p:nvPr/>
+          </p:nvSpPr>
+          <p:spPr>
+            <a:xfrm>
+              <a:off x="2651318" y="2186317"/>
               <a:ext cx="479077" cy="95037"/>
             </a:xfrm>
             <a:prstGeom prst="rect">
@@ -4957,13 +5086,13 @@
         </p:sp>
         <p:sp>
           <p:nvSpPr>
-            <p:cNvPr id="71" name="tx71"/>
-            <p:cNvSpPr/>
-            <p:nvPr/>
-          </p:nvSpPr>
-          <p:spPr>
-            <a:xfrm>
-              <a:off x="966349" y="2011216"/>
+            <p:cNvPr id="74" name="tx74"/>
+            <p:cNvSpPr/>
+            <p:nvPr/>
+          </p:nvSpPr>
+          <p:spPr>
+            <a:xfrm>
+              <a:off x="966349" y="1668079"/>
               <a:ext cx="2164045" cy="112003"/>
             </a:xfrm>
             <a:prstGeom prst="rect">
@@ -5003,13 +5132,13 @@
         </p:sp>
         <p:sp>
           <p:nvSpPr>
-            <p:cNvPr id="72" name="tx72"/>
-            <p:cNvSpPr/>
-            <p:nvPr/>
-          </p:nvSpPr>
-          <p:spPr>
-            <a:xfrm>
-              <a:off x="2237108" y="2144322"/>
+            <p:cNvPr id="75" name="tx75"/>
+            <p:cNvSpPr/>
+            <p:nvPr/>
+          </p:nvSpPr>
+          <p:spPr>
+            <a:xfrm>
+              <a:off x="2237108" y="1801185"/>
               <a:ext cx="893287" cy="119976"/>
             </a:xfrm>
             <a:prstGeom prst="rect">
@@ -5049,13 +5178,13 @@
         </p:sp>
         <p:sp>
           <p:nvSpPr>
-            <p:cNvPr id="73" name="tx73"/>
-            <p:cNvSpPr/>
-            <p:nvPr/>
-          </p:nvSpPr>
-          <p:spPr>
-            <a:xfrm>
-              <a:off x="1917999" y="1759199"/>
+            <p:cNvPr id="76" name="tx76"/>
+            <p:cNvSpPr/>
+            <p:nvPr/>
+          </p:nvSpPr>
+          <p:spPr>
+            <a:xfrm>
+              <a:off x="1917999" y="1395392"/>
               <a:ext cx="1212396" cy="95037"/>
             </a:xfrm>
             <a:prstGeom prst="rect">
@@ -5095,13 +5224,13 @@
         </p:sp>
         <p:sp>
           <p:nvSpPr>
-            <p:cNvPr id="74" name="pl74"/>
-            <p:cNvSpPr/>
-            <p:nvPr/>
-          </p:nvSpPr>
-          <p:spPr>
-            <a:xfrm>
-              <a:off x="3162930" y="7579360"/>
+            <p:cNvPr id="77" name="pl77"/>
+            <p:cNvSpPr/>
+            <p:nvPr/>
+          </p:nvSpPr>
+          <p:spPr>
+            <a:xfrm>
+              <a:off x="3162930" y="7566957"/>
               <a:ext cx="37957" cy="0"/>
             </a:xfrm>
             <a:custGeom>
@@ -5135,13 +5264,13 @@
         </p:sp>
         <p:sp>
           <p:nvSpPr>
-            <p:cNvPr id="75" name="pl75"/>
-            <p:cNvSpPr/>
-            <p:nvPr/>
-          </p:nvSpPr>
-          <p:spPr>
-            <a:xfrm>
-              <a:off x="3162930" y="7239838"/>
+            <p:cNvPr id="78" name="pl78"/>
+            <p:cNvSpPr/>
+            <p:nvPr/>
+          </p:nvSpPr>
+          <p:spPr>
+            <a:xfrm>
+              <a:off x="3162930" y="7206764"/>
               <a:ext cx="37957" cy="0"/>
             </a:xfrm>
             <a:custGeom>
@@ -5175,13 +5304,13 @@
         </p:sp>
         <p:sp>
           <p:nvSpPr>
-            <p:cNvPr id="76" name="pl76"/>
-            <p:cNvSpPr/>
-            <p:nvPr/>
-          </p:nvSpPr>
-          <p:spPr>
-            <a:xfrm>
-              <a:off x="3162930" y="6900315"/>
+            <p:cNvPr id="79" name="pl79"/>
+            <p:cNvSpPr/>
+            <p:nvPr/>
+          </p:nvSpPr>
+          <p:spPr>
+            <a:xfrm>
+              <a:off x="3162930" y="6846571"/>
               <a:ext cx="37957" cy="0"/>
             </a:xfrm>
             <a:custGeom>
@@ -5215,13 +5344,13 @@
         </p:sp>
         <p:sp>
           <p:nvSpPr>
-            <p:cNvPr id="77" name="pl77"/>
-            <p:cNvSpPr/>
-            <p:nvPr/>
-          </p:nvSpPr>
-          <p:spPr>
-            <a:xfrm>
-              <a:off x="3162930" y="6560793"/>
+            <p:cNvPr id="80" name="pl80"/>
+            <p:cNvSpPr/>
+            <p:nvPr/>
+          </p:nvSpPr>
+          <p:spPr>
+            <a:xfrm>
+              <a:off x="3162930" y="6486378"/>
               <a:ext cx="37957" cy="0"/>
             </a:xfrm>
             <a:custGeom>
@@ -5255,13 +5384,13 @@
         </p:sp>
         <p:sp>
           <p:nvSpPr>
-            <p:cNvPr id="78" name="pl78"/>
-            <p:cNvSpPr/>
-            <p:nvPr/>
-          </p:nvSpPr>
-          <p:spPr>
-            <a:xfrm>
-              <a:off x="3162930" y="6221271"/>
+            <p:cNvPr id="81" name="pl81"/>
+            <p:cNvSpPr/>
+            <p:nvPr/>
+          </p:nvSpPr>
+          <p:spPr>
+            <a:xfrm>
+              <a:off x="3162930" y="6126185"/>
               <a:ext cx="37957" cy="0"/>
             </a:xfrm>
             <a:custGeom>
@@ -5295,13 +5424,13 @@
         </p:sp>
         <p:sp>
           <p:nvSpPr>
-            <p:cNvPr id="79" name="pl79"/>
-            <p:cNvSpPr/>
-            <p:nvPr/>
-          </p:nvSpPr>
-          <p:spPr>
-            <a:xfrm>
-              <a:off x="3162930" y="5881749"/>
+            <p:cNvPr id="82" name="pl82"/>
+            <p:cNvSpPr/>
+            <p:nvPr/>
+          </p:nvSpPr>
+          <p:spPr>
+            <a:xfrm>
+              <a:off x="3162930" y="5765992"/>
               <a:ext cx="37957" cy="0"/>
             </a:xfrm>
             <a:custGeom>
@@ -5335,13 +5464,13 @@
         </p:sp>
         <p:sp>
           <p:nvSpPr>
-            <p:cNvPr id="80" name="pl80"/>
-            <p:cNvSpPr/>
-            <p:nvPr/>
-          </p:nvSpPr>
-          <p:spPr>
-            <a:xfrm>
-              <a:off x="3162930" y="5542227"/>
+            <p:cNvPr id="83" name="pl83"/>
+            <p:cNvSpPr/>
+            <p:nvPr/>
+          </p:nvSpPr>
+          <p:spPr>
+            <a:xfrm>
+              <a:off x="3162930" y="5405799"/>
               <a:ext cx="37957" cy="0"/>
             </a:xfrm>
             <a:custGeom>
@@ -5375,13 +5504,13 @@
         </p:sp>
         <p:sp>
           <p:nvSpPr>
-            <p:cNvPr id="81" name="pl81"/>
-            <p:cNvSpPr/>
-            <p:nvPr/>
-          </p:nvSpPr>
-          <p:spPr>
-            <a:xfrm>
-              <a:off x="3162930" y="5202705"/>
+            <p:cNvPr id="84" name="pl84"/>
+            <p:cNvSpPr/>
+            <p:nvPr/>
+          </p:nvSpPr>
+          <p:spPr>
+            <a:xfrm>
+              <a:off x="3162930" y="5045606"/>
               <a:ext cx="37957" cy="0"/>
             </a:xfrm>
             <a:custGeom>
@@ -5415,13 +5544,13 @@
         </p:sp>
         <p:sp>
           <p:nvSpPr>
-            <p:cNvPr id="82" name="pl82"/>
-            <p:cNvSpPr/>
-            <p:nvPr/>
-          </p:nvSpPr>
-          <p:spPr>
-            <a:xfrm>
-              <a:off x="3162930" y="4863183"/>
+            <p:cNvPr id="85" name="pl85"/>
+            <p:cNvSpPr/>
+            <p:nvPr/>
+          </p:nvSpPr>
+          <p:spPr>
+            <a:xfrm>
+              <a:off x="3162930" y="4685413"/>
               <a:ext cx="37957" cy="0"/>
             </a:xfrm>
             <a:custGeom>
@@ -5455,13 +5584,13 @@
         </p:sp>
         <p:sp>
           <p:nvSpPr>
-            <p:cNvPr id="83" name="pl83"/>
-            <p:cNvSpPr/>
-            <p:nvPr/>
-          </p:nvSpPr>
-          <p:spPr>
-            <a:xfrm>
-              <a:off x="3162930" y="4523660"/>
+            <p:cNvPr id="86" name="pl86"/>
+            <p:cNvSpPr/>
+            <p:nvPr/>
+          </p:nvSpPr>
+          <p:spPr>
+            <a:xfrm>
+              <a:off x="3162930" y="4325220"/>
               <a:ext cx="37957" cy="0"/>
             </a:xfrm>
             <a:custGeom>
@@ -5495,13 +5624,13 @@
         </p:sp>
         <p:sp>
           <p:nvSpPr>
-            <p:cNvPr id="84" name="pl84"/>
-            <p:cNvSpPr/>
-            <p:nvPr/>
-          </p:nvSpPr>
-          <p:spPr>
-            <a:xfrm>
-              <a:off x="3162930" y="4184138"/>
+            <p:cNvPr id="87" name="pl87"/>
+            <p:cNvSpPr/>
+            <p:nvPr/>
+          </p:nvSpPr>
+          <p:spPr>
+            <a:xfrm>
+              <a:off x="3162930" y="3965027"/>
               <a:ext cx="37957" cy="0"/>
             </a:xfrm>
             <a:custGeom>
@@ -5535,13 +5664,13 @@
         </p:sp>
         <p:sp>
           <p:nvSpPr>
-            <p:cNvPr id="85" name="pl85"/>
-            <p:cNvSpPr/>
-            <p:nvPr/>
-          </p:nvSpPr>
-          <p:spPr>
-            <a:xfrm>
-              <a:off x="3162930" y="3844616"/>
+            <p:cNvPr id="88" name="pl88"/>
+            <p:cNvSpPr/>
+            <p:nvPr/>
+          </p:nvSpPr>
+          <p:spPr>
+            <a:xfrm>
+              <a:off x="3162930" y="3604834"/>
               <a:ext cx="37957" cy="0"/>
             </a:xfrm>
             <a:custGeom>
@@ -5575,13 +5704,13 @@
         </p:sp>
         <p:sp>
           <p:nvSpPr>
-            <p:cNvPr id="86" name="pl86"/>
-            <p:cNvSpPr/>
-            <p:nvPr/>
-          </p:nvSpPr>
-          <p:spPr>
-            <a:xfrm>
-              <a:off x="3162930" y="3505094"/>
+            <p:cNvPr id="89" name="pl89"/>
+            <p:cNvSpPr/>
+            <p:nvPr/>
+          </p:nvSpPr>
+          <p:spPr>
+            <a:xfrm>
+              <a:off x="3162930" y="3244641"/>
               <a:ext cx="37957" cy="0"/>
             </a:xfrm>
             <a:custGeom>
@@ -5615,13 +5744,13 @@
         </p:sp>
         <p:sp>
           <p:nvSpPr>
-            <p:cNvPr id="87" name="pl87"/>
-            <p:cNvSpPr/>
-            <p:nvPr/>
-          </p:nvSpPr>
-          <p:spPr>
-            <a:xfrm>
-              <a:off x="3162930" y="3165572"/>
+            <p:cNvPr id="90" name="pl90"/>
+            <p:cNvSpPr/>
+            <p:nvPr/>
+          </p:nvSpPr>
+          <p:spPr>
+            <a:xfrm>
+              <a:off x="3162930" y="2884448"/>
               <a:ext cx="37957" cy="0"/>
             </a:xfrm>
             <a:custGeom>
@@ -5655,13 +5784,13 @@
         </p:sp>
         <p:sp>
           <p:nvSpPr>
-            <p:cNvPr id="88" name="pl88"/>
-            <p:cNvSpPr/>
-            <p:nvPr/>
-          </p:nvSpPr>
-          <p:spPr>
-            <a:xfrm>
-              <a:off x="3162930" y="2826050"/>
+            <p:cNvPr id="91" name="pl91"/>
+            <p:cNvSpPr/>
+            <p:nvPr/>
+          </p:nvSpPr>
+          <p:spPr>
+            <a:xfrm>
+              <a:off x="3162930" y="2524255"/>
               <a:ext cx="37957" cy="0"/>
             </a:xfrm>
             <a:custGeom>
@@ -5695,13 +5824,13 @@
         </p:sp>
         <p:sp>
           <p:nvSpPr>
-            <p:cNvPr id="89" name="pl89"/>
-            <p:cNvSpPr/>
-            <p:nvPr/>
-          </p:nvSpPr>
-          <p:spPr>
-            <a:xfrm>
-              <a:off x="3162930" y="2486528"/>
+            <p:cNvPr id="92" name="pl92"/>
+            <p:cNvSpPr/>
+            <p:nvPr/>
+          </p:nvSpPr>
+          <p:spPr>
+            <a:xfrm>
+              <a:off x="3162930" y="2164062"/>
               <a:ext cx="37957" cy="0"/>
             </a:xfrm>
             <a:custGeom>
@@ -5735,13 +5864,13 @@
         </p:sp>
         <p:sp>
           <p:nvSpPr>
-            <p:cNvPr id="90" name="pl90"/>
-            <p:cNvSpPr/>
-            <p:nvPr/>
-          </p:nvSpPr>
-          <p:spPr>
-            <a:xfrm>
-              <a:off x="3162930" y="2147006"/>
+            <p:cNvPr id="93" name="pl93"/>
+            <p:cNvSpPr/>
+            <p:nvPr/>
+          </p:nvSpPr>
+          <p:spPr>
+            <a:xfrm>
+              <a:off x="3162930" y="1803869"/>
               <a:ext cx="37957" cy="0"/>
             </a:xfrm>
             <a:custGeom>
@@ -5775,13 +5904,13 @@
         </p:sp>
         <p:sp>
           <p:nvSpPr>
-            <p:cNvPr id="91" name="pl91"/>
-            <p:cNvSpPr/>
-            <p:nvPr/>
-          </p:nvSpPr>
-          <p:spPr>
-            <a:xfrm>
-              <a:off x="3162930" y="1807483"/>
+            <p:cNvPr id="94" name="pl94"/>
+            <p:cNvSpPr/>
+            <p:nvPr/>
+          </p:nvSpPr>
+          <p:spPr>
+            <a:xfrm>
+              <a:off x="3162930" y="1443676"/>
               <a:ext cx="37957" cy="0"/>
             </a:xfrm>
             <a:custGeom>
@@ -5815,7 +5944,7 @@
         </p:sp>
         <p:sp>
           <p:nvSpPr>
-            <p:cNvPr id="92" name="pl92"/>
+            <p:cNvPr id="95" name="pl95"/>
             <p:cNvSpPr/>
             <p:nvPr/>
           </p:nvSpPr>
@@ -5855,7 +5984,7 @@
         </p:sp>
         <p:sp>
           <p:nvSpPr>
-            <p:cNvPr id="93" name="pl93"/>
+            <p:cNvPr id="96" name="pl96"/>
             <p:cNvSpPr/>
             <p:nvPr/>
           </p:nvSpPr>
@@ -5895,13 +6024,13 @@
         </p:sp>
         <p:sp>
           <p:nvSpPr>
-            <p:cNvPr id="94" name="pl94"/>
-            <p:cNvSpPr/>
-            <p:nvPr/>
-          </p:nvSpPr>
-          <p:spPr>
-            <a:xfrm>
-              <a:off x="3768514" y="7783073"/>
+            <p:cNvPr id="97" name="pl97"/>
+            <p:cNvSpPr/>
+            <p:nvPr/>
+          </p:nvSpPr>
+          <p:spPr>
+            <a:xfrm>
+              <a:off x="3646880" y="7783073"/>
               <a:ext cx="0" cy="37957"/>
             </a:xfrm>
             <a:custGeom>
@@ -5935,13 +6064,13 @@
         </p:sp>
         <p:sp>
           <p:nvSpPr>
-            <p:cNvPr id="95" name="pl95"/>
-            <p:cNvSpPr/>
-            <p:nvPr/>
-          </p:nvSpPr>
-          <p:spPr>
-            <a:xfrm>
-              <a:off x="4336140" y="7783073"/>
+            <p:cNvPr id="98" name="pl98"/>
+            <p:cNvSpPr/>
+            <p:nvPr/>
+          </p:nvSpPr>
+          <p:spPr>
+            <a:xfrm>
+              <a:off x="4092871" y="7783073"/>
               <a:ext cx="0" cy="37957"/>
             </a:xfrm>
             <a:custGeom>
@@ -5975,13 +6104,13 @@
         </p:sp>
         <p:sp>
           <p:nvSpPr>
-            <p:cNvPr id="96" name="pl96"/>
-            <p:cNvSpPr/>
-            <p:nvPr/>
-          </p:nvSpPr>
-          <p:spPr>
-            <a:xfrm>
-              <a:off x="4903765" y="7783073"/>
+            <p:cNvPr id="99" name="pl99"/>
+            <p:cNvSpPr/>
+            <p:nvPr/>
+          </p:nvSpPr>
+          <p:spPr>
+            <a:xfrm>
+              <a:off x="4538863" y="7783073"/>
               <a:ext cx="0" cy="37957"/>
             </a:xfrm>
             <a:custGeom>
@@ -6015,13 +6144,13 @@
         </p:sp>
         <p:sp>
           <p:nvSpPr>
-            <p:cNvPr id="97" name="pl97"/>
-            <p:cNvSpPr/>
-            <p:nvPr/>
-          </p:nvSpPr>
-          <p:spPr>
-            <a:xfrm>
-              <a:off x="5471391" y="7783073"/>
+            <p:cNvPr id="100" name="pl100"/>
+            <p:cNvSpPr/>
+            <p:nvPr/>
+          </p:nvSpPr>
+          <p:spPr>
+            <a:xfrm>
+              <a:off x="4984855" y="7783073"/>
               <a:ext cx="0" cy="37957"/>
             </a:xfrm>
             <a:custGeom>
@@ -6055,13 +6184,13 @@
         </p:sp>
         <p:sp>
           <p:nvSpPr>
-            <p:cNvPr id="98" name="pl98"/>
-            <p:cNvSpPr/>
-            <p:nvPr/>
-          </p:nvSpPr>
-          <p:spPr>
-            <a:xfrm>
-              <a:off x="6039017" y="7783073"/>
+            <p:cNvPr id="101" name="pl101"/>
+            <p:cNvSpPr/>
+            <p:nvPr/>
+          </p:nvSpPr>
+          <p:spPr>
+            <a:xfrm>
+              <a:off x="5430846" y="7783073"/>
               <a:ext cx="0" cy="37957"/>
             </a:xfrm>
             <a:custGeom>
@@ -6095,13 +6224,13 @@
         </p:sp>
         <p:sp>
           <p:nvSpPr>
-            <p:cNvPr id="99" name="pl99"/>
-            <p:cNvSpPr/>
-            <p:nvPr/>
-          </p:nvSpPr>
-          <p:spPr>
-            <a:xfrm>
-              <a:off x="6606643" y="7783073"/>
+            <p:cNvPr id="102" name="pl102"/>
+            <p:cNvSpPr/>
+            <p:nvPr/>
+          </p:nvSpPr>
+          <p:spPr>
+            <a:xfrm>
+              <a:off x="5876838" y="7783073"/>
               <a:ext cx="0" cy="37957"/>
             </a:xfrm>
             <a:custGeom>
@@ -6135,13 +6264,13 @@
         </p:sp>
         <p:sp>
           <p:nvSpPr>
-            <p:cNvPr id="100" name="pl100"/>
-            <p:cNvSpPr/>
-            <p:nvPr/>
-          </p:nvSpPr>
-          <p:spPr>
-            <a:xfrm>
-              <a:off x="7174268" y="7783073"/>
+            <p:cNvPr id="103" name="pl103"/>
+            <p:cNvSpPr/>
+            <p:nvPr/>
+          </p:nvSpPr>
+          <p:spPr>
+            <a:xfrm>
+              <a:off x="6322830" y="7783073"/>
               <a:ext cx="0" cy="37957"/>
             </a:xfrm>
             <a:custGeom>
@@ -6175,7 +6304,127 @@
         </p:sp>
         <p:sp>
           <p:nvSpPr>
-            <p:cNvPr id="101" name="tx101"/>
+            <p:cNvPr id="104" name="pl104"/>
+            <p:cNvSpPr/>
+            <p:nvPr/>
+          </p:nvSpPr>
+          <p:spPr>
+            <a:xfrm>
+              <a:off x="6768822" y="7783073"/>
+              <a:ext cx="0" cy="37957"/>
+            </a:xfrm>
+            <a:custGeom>
+              <a:avLst/>
+              <a:pathLst>
+                <a:path w="0" h="37957">
+                  <a:moveTo>
+                    <a:pt x="0" y="37957"/>
+                  </a:moveTo>
+                  <a:lnTo>
+                    <a:pt x="0" y="0"/>
+                  </a:lnTo>
+                </a:path>
+              </a:pathLst>
+            </a:custGeom>
+            <a:ln w="13550" cap="flat">
+              <a:solidFill>
+                <a:srgbClr val="000000">
+                  <a:alpha val="100000"/>
+                </a:srgbClr>
+              </a:solidFill>
+              <a:prstDash val="solid"/>
+              <a:round/>
+            </a:ln>
+          </p:spPr>
+          <p:txBody>
+            <a:bodyPr/>
+            <a:lstStyle/>
+            <a:p/>
+          </p:txBody>
+        </p:sp>
+        <p:sp>
+          <p:nvSpPr>
+            <p:cNvPr id="105" name="pl105"/>
+            <p:cNvSpPr/>
+            <p:nvPr/>
+          </p:nvSpPr>
+          <p:spPr>
+            <a:xfrm>
+              <a:off x="7214813" y="7783073"/>
+              <a:ext cx="0" cy="37957"/>
+            </a:xfrm>
+            <a:custGeom>
+              <a:avLst/>
+              <a:pathLst>
+                <a:path w="0" h="37957">
+                  <a:moveTo>
+                    <a:pt x="0" y="37957"/>
+                  </a:moveTo>
+                  <a:lnTo>
+                    <a:pt x="0" y="0"/>
+                  </a:lnTo>
+                </a:path>
+              </a:pathLst>
+            </a:custGeom>
+            <a:ln w="13550" cap="flat">
+              <a:solidFill>
+                <a:srgbClr val="000000">
+                  <a:alpha val="100000"/>
+                </a:srgbClr>
+              </a:solidFill>
+              <a:prstDash val="solid"/>
+              <a:round/>
+            </a:ln>
+          </p:spPr>
+          <p:txBody>
+            <a:bodyPr/>
+            <a:lstStyle/>
+            <a:p/>
+          </p:txBody>
+        </p:sp>
+        <p:sp>
+          <p:nvSpPr>
+            <p:cNvPr id="106" name="pl106"/>
+            <p:cNvSpPr/>
+            <p:nvPr/>
+          </p:nvSpPr>
+          <p:spPr>
+            <a:xfrm>
+              <a:off x="7660805" y="7783073"/>
+              <a:ext cx="0" cy="37957"/>
+            </a:xfrm>
+            <a:custGeom>
+              <a:avLst/>
+              <a:pathLst>
+                <a:path w="0" h="37957">
+                  <a:moveTo>
+                    <a:pt x="0" y="37957"/>
+                  </a:moveTo>
+                  <a:lnTo>
+                    <a:pt x="0" y="0"/>
+                  </a:lnTo>
+                </a:path>
+              </a:pathLst>
+            </a:custGeom>
+            <a:ln w="13550" cap="flat">
+              <a:solidFill>
+                <a:srgbClr val="000000">
+                  <a:alpha val="100000"/>
+                </a:srgbClr>
+              </a:solidFill>
+              <a:prstDash val="solid"/>
+              <a:round/>
+            </a:ln>
+          </p:spPr>
+          <p:txBody>
+            <a:bodyPr/>
+            <a:lstStyle/>
+            <a:p/>
+          </p:txBody>
+        </p:sp>
+        <p:sp>
+          <p:nvSpPr>
+            <p:cNvPr id="107" name="tx107"/>
             <p:cNvSpPr/>
             <p:nvPr/>
           </p:nvSpPr>
@@ -6221,13 +6470,13 @@
         </p:sp>
         <p:sp>
           <p:nvSpPr>
-            <p:cNvPr id="102" name="tx102"/>
-            <p:cNvSpPr/>
-            <p:nvPr/>
-          </p:nvSpPr>
-          <p:spPr>
-            <a:xfrm>
-              <a:off x="3732189" y="7853247"/>
+            <p:cNvPr id="108" name="tx108"/>
+            <p:cNvSpPr/>
+            <p:nvPr/>
+          </p:nvSpPr>
+          <p:spPr>
+            <a:xfrm>
+              <a:off x="3610555" y="7853247"/>
               <a:ext cx="72649" cy="93825"/>
             </a:xfrm>
             <a:prstGeom prst="rect">
@@ -6267,13 +6516,13 @@
         </p:sp>
         <p:sp>
           <p:nvSpPr>
-            <p:cNvPr id="103" name="tx103"/>
-            <p:cNvSpPr/>
-            <p:nvPr/>
-          </p:nvSpPr>
-          <p:spPr>
-            <a:xfrm>
-              <a:off x="4263490" y="7851588"/>
+            <p:cNvPr id="109" name="tx109"/>
+            <p:cNvSpPr/>
+            <p:nvPr/>
+          </p:nvSpPr>
+          <p:spPr>
+            <a:xfrm>
+              <a:off x="4020222" y="7851588"/>
               <a:ext cx="145298" cy="95483"/>
             </a:xfrm>
             <a:prstGeom prst="rect">
@@ -6313,13 +6562,13 @@
         </p:sp>
         <p:sp>
           <p:nvSpPr>
-            <p:cNvPr id="104" name="tx104"/>
-            <p:cNvSpPr/>
-            <p:nvPr/>
-          </p:nvSpPr>
-          <p:spPr>
-            <a:xfrm>
-              <a:off x="4831116" y="7851588"/>
+            <p:cNvPr id="110" name="tx110"/>
+            <p:cNvSpPr/>
+            <p:nvPr/>
+          </p:nvSpPr>
+          <p:spPr>
+            <a:xfrm>
+              <a:off x="4466214" y="7851588"/>
               <a:ext cx="145298" cy="95483"/>
             </a:xfrm>
             <a:prstGeom prst="rect">
@@ -6359,13 +6608,13 @@
         </p:sp>
         <p:sp>
           <p:nvSpPr>
-            <p:cNvPr id="105" name="tx105"/>
-            <p:cNvSpPr/>
-            <p:nvPr/>
-          </p:nvSpPr>
-          <p:spPr>
-            <a:xfrm>
-              <a:off x="5398742" y="7851588"/>
+            <p:cNvPr id="111" name="tx111"/>
+            <p:cNvSpPr/>
+            <p:nvPr/>
+          </p:nvSpPr>
+          <p:spPr>
+            <a:xfrm>
+              <a:off x="4912205" y="7851588"/>
               <a:ext cx="145298" cy="95483"/>
             </a:xfrm>
             <a:prstGeom prst="rect">
@@ -6405,13 +6654,13 @@
         </p:sp>
         <p:sp>
           <p:nvSpPr>
-            <p:cNvPr id="106" name="tx106"/>
-            <p:cNvSpPr/>
-            <p:nvPr/>
-          </p:nvSpPr>
-          <p:spPr>
-            <a:xfrm>
-              <a:off x="5966368" y="7851588"/>
+            <p:cNvPr id="112" name="tx112"/>
+            <p:cNvSpPr/>
+            <p:nvPr/>
+          </p:nvSpPr>
+          <p:spPr>
+            <a:xfrm>
+              <a:off x="5358197" y="7851588"/>
               <a:ext cx="145298" cy="95483"/>
             </a:xfrm>
             <a:prstGeom prst="rect">
@@ -6451,13 +6700,13 @@
         </p:sp>
         <p:sp>
           <p:nvSpPr>
-            <p:cNvPr id="107" name="tx107"/>
-            <p:cNvSpPr/>
-            <p:nvPr/>
-          </p:nvSpPr>
-          <p:spPr>
-            <a:xfrm>
-              <a:off x="6533993" y="7851525"/>
+            <p:cNvPr id="113" name="tx113"/>
+            <p:cNvSpPr/>
+            <p:nvPr/>
+          </p:nvSpPr>
+          <p:spPr>
+            <a:xfrm>
+              <a:off x="5804189" y="7851525"/>
               <a:ext cx="145298" cy="95547"/>
             </a:xfrm>
             <a:prstGeom prst="rect">
@@ -6497,13 +6746,13 @@
         </p:sp>
         <p:sp>
           <p:nvSpPr>
-            <p:cNvPr id="108" name="tx108"/>
-            <p:cNvSpPr/>
-            <p:nvPr/>
-          </p:nvSpPr>
-          <p:spPr>
-            <a:xfrm>
-              <a:off x="7101619" y="7851525"/>
+            <p:cNvPr id="114" name="tx114"/>
+            <p:cNvSpPr/>
+            <p:nvPr/>
+          </p:nvSpPr>
+          <p:spPr>
+            <a:xfrm>
+              <a:off x="6250180" y="7851525"/>
               <a:ext cx="145298" cy="95547"/>
             </a:xfrm>
             <a:prstGeom prst="rect">
@@ -6543,7 +6792,145 @@
         </p:sp>
         <p:sp>
           <p:nvSpPr>
-            <p:cNvPr id="109" name="tx109"/>
+            <p:cNvPr id="115" name="tx115"/>
+            <p:cNvSpPr/>
+            <p:nvPr/>
+          </p:nvSpPr>
+          <p:spPr>
+            <a:xfrm>
+              <a:off x="6696172" y="7851588"/>
+              <a:ext cx="145298" cy="95483"/>
+            </a:xfrm>
+            <a:prstGeom prst="rect">
+              <a:avLst/>
+            </a:prstGeom>
+            <a:noFill/>
+          </p:spPr>
+          <p:txBody>
+            <a:bodyPr lIns="0" rIns="0" tIns="0" bIns="0" anchorCtr="1" anchor="ctr" wrap="none"/>
+            <a:lstStyle/>
+            <a:p>
+              <a:pPr algn="l" marL="0" marR="0" indent="0">
+                <a:lnSpc>
+                  <a:spcPts val="1028"/>
+                </a:lnSpc>
+                <a:spcBef>
+                  <a:spcPts val="0"/>
+                </a:spcBef>
+                <a:spcAft>
+                  <a:spcPts val="0"/>
+                </a:spcAft>
+              </a:pPr>
+              <a:r>
+                <a:rPr sz="1028">
+                  <a:solidFill>
+                    <a:srgbClr val="000000">
+                      <a:alpha val="100000"/>
+                    </a:srgbClr>
+                  </a:solidFill>
+                  <a:latin typeface="Arial"/>
+                  <a:cs typeface="Arial"/>
+                </a:rPr>
+                <a:t>40</a:t>
+              </a:r>
+            </a:p>
+          </p:txBody>
+        </p:sp>
+        <p:sp>
+          <p:nvSpPr>
+            <p:cNvPr id="116" name="tx116"/>
+            <p:cNvSpPr/>
+            <p:nvPr/>
+          </p:nvSpPr>
+          <p:spPr>
+            <a:xfrm>
+              <a:off x="7142164" y="7851971"/>
+              <a:ext cx="145298" cy="95101"/>
+            </a:xfrm>
+            <a:prstGeom prst="rect">
+              <a:avLst/>
+            </a:prstGeom>
+            <a:noFill/>
+          </p:spPr>
+          <p:txBody>
+            <a:bodyPr lIns="0" rIns="0" tIns="0" bIns="0" anchorCtr="1" anchor="ctr" wrap="none"/>
+            <a:lstStyle/>
+            <a:p>
+              <a:pPr algn="l" marL="0" marR="0" indent="0">
+                <a:lnSpc>
+                  <a:spcPts val="1028"/>
+                </a:lnSpc>
+                <a:spcBef>
+                  <a:spcPts val="0"/>
+                </a:spcBef>
+                <a:spcAft>
+                  <a:spcPts val="0"/>
+                </a:spcAft>
+              </a:pPr>
+              <a:r>
+                <a:rPr sz="1028">
+                  <a:solidFill>
+                    <a:srgbClr val="000000">
+                      <a:alpha val="100000"/>
+                    </a:srgbClr>
+                  </a:solidFill>
+                  <a:latin typeface="Arial"/>
+                  <a:cs typeface="Arial"/>
+                </a:rPr>
+                <a:t>45</a:t>
+              </a:r>
+            </a:p>
+          </p:txBody>
+        </p:sp>
+        <p:sp>
+          <p:nvSpPr>
+            <p:cNvPr id="117" name="tx117"/>
+            <p:cNvSpPr/>
+            <p:nvPr/>
+          </p:nvSpPr>
+          <p:spPr>
+            <a:xfrm>
+              <a:off x="7588155" y="7851588"/>
+              <a:ext cx="145298" cy="95483"/>
+            </a:xfrm>
+            <a:prstGeom prst="rect">
+              <a:avLst/>
+            </a:prstGeom>
+            <a:noFill/>
+          </p:spPr>
+          <p:txBody>
+            <a:bodyPr lIns="0" rIns="0" tIns="0" bIns="0" anchorCtr="1" anchor="ctr" wrap="none"/>
+            <a:lstStyle/>
+            <a:p>
+              <a:pPr algn="l" marL="0" marR="0" indent="0">
+                <a:lnSpc>
+                  <a:spcPts val="1028"/>
+                </a:lnSpc>
+                <a:spcBef>
+                  <a:spcPts val="0"/>
+                </a:spcBef>
+                <a:spcAft>
+                  <a:spcPts val="0"/>
+                </a:spcAft>
+              </a:pPr>
+              <a:r>
+                <a:rPr sz="1028">
+                  <a:solidFill>
+                    <a:srgbClr val="000000">
+                      <a:alpha val="100000"/>
+                    </a:srgbClr>
+                  </a:solidFill>
+                  <a:latin typeface="Arial"/>
+                  <a:cs typeface="Arial"/>
+                </a:rPr>
+                <a:t>50</a:t>
+              </a:r>
+            </a:p>
+          </p:txBody>
+        </p:sp>
+        <p:sp>
+          <p:nvSpPr>
+            <p:cNvPr id="118" name="tx118"/>
             <p:cNvSpPr/>
             <p:nvPr/>
           </p:nvSpPr>
@@ -6589,14 +6976,14 @@
         </p:sp>
         <p:sp>
           <p:nvSpPr>
-            <p:cNvPr id="110" name="tx110"/>
+            <p:cNvPr id="119" name="tx119"/>
             <p:cNvSpPr/>
             <p:nvPr/>
           </p:nvSpPr>
           <p:spPr>
             <a:xfrm>
               <a:off x="3200888" y="951534"/>
-              <a:ext cx="4147031" cy="163455"/>
+              <a:ext cx="2540453" cy="163455"/>
             </a:xfrm>
             <a:prstGeom prst="rect">
               <a:avLst/>
@@ -6628,99 +7015,7 @@
                   <a:latin typeface="Arial"/>
                   <a:cs typeface="Arial"/>
                 </a:rPr>
-                <a:t>Reported comorbidities (N=85). Participants could</a:t>
-              </a:r>
-            </a:p>
-          </p:txBody>
-        </p:sp>
-        <p:sp>
-          <p:nvSpPr>
-            <p:cNvPr id="111" name="tx111"/>
-            <p:cNvSpPr/>
-            <p:nvPr/>
-          </p:nvSpPr>
-          <p:spPr>
-            <a:xfrm>
-              <a:off x="3200888" y="1144062"/>
-              <a:ext cx="3687620" cy="159033"/>
-            </a:xfrm>
-            <a:prstGeom prst="rect">
-              <a:avLst/>
-            </a:prstGeom>
-            <a:noFill/>
-          </p:spPr>
-          <p:txBody>
-            <a:bodyPr lIns="0" rIns="0" tIns="0" bIns="0" anchorCtr="1" anchor="ctr" wrap="none"/>
-            <a:lstStyle/>
-            <a:p>
-              <a:pPr algn="l" marL="0" marR="0" indent="0">
-                <a:lnSpc>
-                  <a:spcPts val="1371"/>
-                </a:lnSpc>
-                <a:spcBef>
-                  <a:spcPts val="0"/>
-                </a:spcBef>
-                <a:spcAft>
-                  <a:spcPts val="0"/>
-                </a:spcAft>
-              </a:pPr>
-              <a:r>
-                <a:rPr sz="1371" b="1">
-                  <a:solidFill>
-                    <a:srgbClr val="000000">
-                      <a:alpha val="100000"/>
-                    </a:srgbClr>
-                  </a:solidFill>
-                  <a:latin typeface="Arial"/>
-                  <a:cs typeface="Arial"/>
-                </a:rPr>
-                <a:t>select multiple options; values represent the</a:t>
-              </a:r>
-            </a:p>
-          </p:txBody>
-        </p:sp>
-        <p:sp>
-          <p:nvSpPr>
-            <p:cNvPr id="112" name="tx112"/>
-            <p:cNvSpPr/>
-            <p:nvPr/>
-          </p:nvSpPr>
-          <p:spPr>
-            <a:xfrm>
-              <a:off x="3200888" y="1330041"/>
-              <a:ext cx="4083928" cy="161159"/>
-            </a:xfrm>
-            <a:prstGeom prst="rect">
-              <a:avLst/>
-            </a:prstGeom>
-            <a:noFill/>
-          </p:spPr>
-          <p:txBody>
-            <a:bodyPr lIns="0" rIns="0" tIns="0" bIns="0" anchorCtr="1" anchor="ctr" wrap="none"/>
-            <a:lstStyle/>
-            <a:p>
-              <a:pPr algn="l" marL="0" marR="0" indent="0">
-                <a:lnSpc>
-                  <a:spcPts val="1371"/>
-                </a:lnSpc>
-                <a:spcBef>
-                  <a:spcPts val="0"/>
-                </a:spcBef>
-                <a:spcAft>
-                  <a:spcPts val="0"/>
-                </a:spcAft>
-              </a:pPr>
-              <a:r>
-                <a:rPr sz="1371" b="1">
-                  <a:solidFill>
-                    <a:srgbClr val="000000">
-                      <a:alpha val="100000"/>
-                    </a:srgbClr>
-                  </a:solidFill>
-                  <a:latin typeface="Arial"/>
-                  <a:cs typeface="Arial"/>
-                </a:rPr>
-                <a:t>number of responses, not individual participants.</a:t>
+                <a:t>Reported comorbidities (N=85)</a:t>
               </a:r>
             </a:p>
           </p:txBody>

--- a/results/figures/pptx/reported_comorbidities.pptx
+++ b/results/figures/pptx/reported_comorbidities.pptx
@@ -2314,7 +2314,7 @@
           </p:nvSpPr>
           <p:spPr>
             <a:xfrm>
-              <a:off x="3646880" y="1227560"/>
+              <a:off x="3634826" y="1227560"/>
               <a:ext cx="0" cy="6555513"/>
             </a:xfrm>
             <a:custGeom>
@@ -2357,7 +2357,7 @@
           </p:nvSpPr>
           <p:spPr>
             <a:xfrm>
-              <a:off x="4092871" y="1227560"/>
+              <a:off x="4068764" y="1227560"/>
               <a:ext cx="0" cy="6555513"/>
             </a:xfrm>
             <a:custGeom>
@@ -2400,7 +2400,7 @@
           </p:nvSpPr>
           <p:spPr>
             <a:xfrm>
-              <a:off x="4538863" y="1227560"/>
+              <a:off x="4502702" y="1227560"/>
               <a:ext cx="0" cy="6555513"/>
             </a:xfrm>
             <a:custGeom>
@@ -2443,7 +2443,7 @@
           </p:nvSpPr>
           <p:spPr>
             <a:xfrm>
-              <a:off x="4984855" y="1227560"/>
+              <a:off x="4936639" y="1227560"/>
               <a:ext cx="0" cy="6555513"/>
             </a:xfrm>
             <a:custGeom>
@@ -2486,7 +2486,7 @@
           </p:nvSpPr>
           <p:spPr>
             <a:xfrm>
-              <a:off x="5430846" y="1227560"/>
+              <a:off x="5370577" y="1227560"/>
               <a:ext cx="0" cy="6555513"/>
             </a:xfrm>
             <a:custGeom>
@@ -2529,7 +2529,7 @@
           </p:nvSpPr>
           <p:spPr>
             <a:xfrm>
-              <a:off x="5876838" y="1227560"/>
+              <a:off x="5804515" y="1227560"/>
               <a:ext cx="0" cy="6555513"/>
             </a:xfrm>
             <a:custGeom>
@@ -2572,7 +2572,7 @@
           </p:nvSpPr>
           <p:spPr>
             <a:xfrm>
-              <a:off x="6322830" y="1227560"/>
+              <a:off x="6238453" y="1227560"/>
               <a:ext cx="0" cy="6555513"/>
             </a:xfrm>
             <a:custGeom>
@@ -2615,7 +2615,7 @@
           </p:nvSpPr>
           <p:spPr>
             <a:xfrm>
-              <a:off x="6768822" y="1227560"/>
+              <a:off x="6672391" y="1227560"/>
               <a:ext cx="0" cy="6555513"/>
             </a:xfrm>
             <a:custGeom>
@@ -2658,7 +2658,7 @@
           </p:nvSpPr>
           <p:spPr>
             <a:xfrm>
-              <a:off x="7214813" y="1227560"/>
+              <a:off x="7106329" y="1227560"/>
               <a:ext cx="0" cy="6555513"/>
             </a:xfrm>
             <a:custGeom>
@@ -2701,7 +2701,7 @@
           </p:nvSpPr>
           <p:spPr>
             <a:xfrm>
-              <a:off x="7660805" y="1227560"/>
+              <a:off x="7540267" y="1227560"/>
               <a:ext cx="0" cy="6555513"/>
             </a:xfrm>
             <a:custGeom>
@@ -2771,7 +2771,7 @@
           <p:spPr>
             <a:xfrm>
               <a:off x="3200888" y="1641782"/>
-              <a:ext cx="2765148" cy="324173"/>
+              <a:ext cx="2603627" cy="324173"/>
             </a:xfrm>
             <a:prstGeom prst="rect">
               <a:avLst/>
@@ -2797,7 +2797,7 @@
           <p:spPr>
             <a:xfrm>
               <a:off x="3200888" y="2001975"/>
-              <a:ext cx="2229958" cy="324173"/>
+              <a:ext cx="2430051" cy="324173"/>
             </a:xfrm>
             <a:prstGeom prst="rect">
               <a:avLst/>
@@ -2823,7 +2823,7 @@
           <p:spPr>
             <a:xfrm>
               <a:off x="3200888" y="2362168"/>
-              <a:ext cx="2051561" cy="324173"/>
+              <a:ext cx="2256476" cy="324173"/>
             </a:xfrm>
             <a:prstGeom prst="rect">
               <a:avLst/>
@@ -2849,7 +2849,7 @@
           <p:spPr>
             <a:xfrm>
               <a:off x="3200888" y="2722361"/>
-              <a:ext cx="1605570" cy="324173"/>
+              <a:ext cx="1648963" cy="324173"/>
             </a:xfrm>
             <a:prstGeom prst="rect">
               <a:avLst/>
@@ -2875,7 +2875,7 @@
           <p:spPr>
             <a:xfrm>
               <a:off x="3200888" y="3082554"/>
-              <a:ext cx="1516371" cy="324173"/>
+              <a:ext cx="1475388" cy="324173"/>
             </a:xfrm>
             <a:prstGeom prst="rect">
               <a:avLst/>
@@ -2900,8 +2900,8 @@
           </p:nvSpPr>
           <p:spPr>
             <a:xfrm>
-              <a:off x="3200888" y="3802940"/>
-              <a:ext cx="1337975" cy="324173"/>
+              <a:off x="3200888" y="3442747"/>
+              <a:ext cx="1475388" cy="324173"/>
             </a:xfrm>
             <a:prstGeom prst="rect">
               <a:avLst/>
@@ -2926,8 +2926,8 @@
           </p:nvSpPr>
           <p:spPr>
             <a:xfrm>
-              <a:off x="3200888" y="3442747"/>
-              <a:ext cx="1337975" cy="324173"/>
+              <a:off x="3200888" y="3802940"/>
+              <a:ext cx="1301813" cy="324173"/>
             </a:xfrm>
             <a:prstGeom prst="rect">
               <a:avLst/>
@@ -2953,7 +2953,7 @@
           <p:spPr>
             <a:xfrm>
               <a:off x="3200888" y="4163133"/>
-              <a:ext cx="1070380" cy="324173"/>
+              <a:ext cx="1215025" cy="324173"/>
             </a:xfrm>
             <a:prstGeom prst="rect">
               <a:avLst/>
@@ -2979,7 +2979,7 @@
           <p:spPr>
             <a:xfrm>
               <a:off x="3200888" y="4523326"/>
-              <a:ext cx="981181" cy="324173"/>
+              <a:ext cx="1041450" cy="324173"/>
             </a:xfrm>
             <a:prstGeom prst="rect">
               <a:avLst/>
@@ -3005,7 +3005,7 @@
           <p:spPr>
             <a:xfrm>
               <a:off x="3200888" y="4883519"/>
-              <a:ext cx="891983" cy="324173"/>
+              <a:ext cx="954663" cy="324173"/>
             </a:xfrm>
             <a:prstGeom prst="rect">
               <a:avLst/>
@@ -3030,8 +3030,8 @@
           </p:nvSpPr>
           <p:spPr>
             <a:xfrm>
-              <a:off x="3200888" y="5243712"/>
-              <a:ext cx="713586" cy="324173"/>
+              <a:off x="3200888" y="5603905"/>
+              <a:ext cx="607512" cy="324173"/>
             </a:xfrm>
             <a:prstGeom prst="rect">
               <a:avLst/>
@@ -3056,8 +3056,8 @@
           </p:nvSpPr>
           <p:spPr>
             <a:xfrm>
-              <a:off x="3200888" y="5964098"/>
-              <a:ext cx="535190" cy="324173"/>
+              <a:off x="3200888" y="5243712"/>
+              <a:ext cx="607512" cy="324173"/>
             </a:xfrm>
             <a:prstGeom prst="rect">
               <a:avLst/>
@@ -3082,8 +3082,8 @@
           </p:nvSpPr>
           <p:spPr>
             <a:xfrm>
-              <a:off x="3200888" y="5603905"/>
-              <a:ext cx="535190" cy="324173"/>
+              <a:off x="3200888" y="6324291"/>
+              <a:ext cx="520725" cy="324173"/>
             </a:xfrm>
             <a:prstGeom prst="rect">
               <a:avLst/>
@@ -3108,8 +3108,8 @@
           </p:nvSpPr>
           <p:spPr>
             <a:xfrm>
-              <a:off x="3200888" y="6684484"/>
-              <a:ext cx="445991" cy="324173"/>
+              <a:off x="3200888" y="5964098"/>
+              <a:ext cx="520725" cy="324173"/>
             </a:xfrm>
             <a:prstGeom prst="rect">
               <a:avLst/>
@@ -3134,8 +3134,8 @@
           </p:nvSpPr>
           <p:spPr>
             <a:xfrm>
-              <a:off x="3200888" y="6324291"/>
-              <a:ext cx="445991" cy="324173"/>
+              <a:off x="3200888" y="6684484"/>
+              <a:ext cx="433937" cy="324173"/>
             </a:xfrm>
             <a:prstGeom prst="rect">
               <a:avLst/>
@@ -3161,7 +3161,7 @@
           <p:spPr>
             <a:xfrm>
               <a:off x="3200888" y="7044677"/>
-              <a:ext cx="267595" cy="324173"/>
+              <a:ext cx="260362" cy="324173"/>
             </a:xfrm>
             <a:prstGeom prst="rect">
               <a:avLst/>
@@ -3187,7 +3187,7 @@
           <p:spPr>
             <a:xfrm>
               <a:off x="3200888" y="7404870"/>
-              <a:ext cx="178396" cy="324173"/>
+              <a:ext cx="173575" cy="324173"/>
             </a:xfrm>
             <a:prstGeom prst="rect">
               <a:avLst/>
@@ -3245,7 +3245,7 @@
                   <a:latin typeface="Arial"/>
                   <a:cs typeface="Arial"/>
                 </a:rPr>
-                <a:t>36 (42%)</a:t>
+                <a:t>37 (40%)</a:t>
               </a:r>
             </a:p>
           </p:txBody>
@@ -3258,7 +3258,7 @@
           </p:nvSpPr>
           <p:spPr>
             <a:xfrm>
-              <a:off x="6149314" y="1698975"/>
+              <a:off x="5987793" y="1698975"/>
               <a:ext cx="733109" cy="169559"/>
             </a:xfrm>
             <a:prstGeom prst="rect">
@@ -3291,7 +3291,7 @@
                   <a:latin typeface="Arial"/>
                   <a:cs typeface="Arial"/>
                 </a:rPr>
-                <a:t>31 (36%)</a:t>
+                <a:t>30 (33%)</a:t>
               </a:r>
             </a:p>
           </p:txBody>
@@ -3304,7 +3304,7 @@
           </p:nvSpPr>
           <p:spPr>
             <a:xfrm>
-              <a:off x="5614124" y="2059168"/>
+              <a:off x="5814218" y="2059168"/>
               <a:ext cx="733109" cy="169559"/>
             </a:xfrm>
             <a:prstGeom prst="rect">
@@ -3337,7 +3337,7 @@
                   <a:latin typeface="Arial"/>
                   <a:cs typeface="Arial"/>
                 </a:rPr>
-                <a:t>25 (29%)</a:t>
+                <a:t>28 (30%)</a:t>
               </a:r>
             </a:p>
           </p:txBody>
@@ -3350,7 +3350,7 @@
           </p:nvSpPr>
           <p:spPr>
             <a:xfrm>
-              <a:off x="5435727" y="2419361"/>
+              <a:off x="5640642" y="2419361"/>
               <a:ext cx="733109" cy="169559"/>
             </a:xfrm>
             <a:prstGeom prst="rect">
@@ -3383,7 +3383,7 @@
                   <a:latin typeface="Arial"/>
                   <a:cs typeface="Arial"/>
                 </a:rPr>
-                <a:t>23 (27%)</a:t>
+                <a:t>26 (28%)</a:t>
               </a:r>
             </a:p>
           </p:txBody>
@@ -3396,7 +3396,7 @@
           </p:nvSpPr>
           <p:spPr>
             <a:xfrm>
-              <a:off x="4989736" y="2779554"/>
+              <a:off x="5033129" y="2779554"/>
               <a:ext cx="733109" cy="169559"/>
             </a:xfrm>
             <a:prstGeom prst="rect">
@@ -3429,7 +3429,7 @@
                   <a:latin typeface="Arial"/>
                   <a:cs typeface="Arial"/>
                 </a:rPr>
-                <a:t>18 (21%)</a:t>
+                <a:t>19 (21%)</a:t>
               </a:r>
             </a:p>
           </p:txBody>
@@ -3442,7 +3442,7 @@
           </p:nvSpPr>
           <p:spPr>
             <a:xfrm>
-              <a:off x="4900537" y="3139747"/>
+              <a:off x="4859554" y="3139747"/>
               <a:ext cx="733109" cy="169559"/>
             </a:xfrm>
             <a:prstGeom prst="rect">
@@ -3475,7 +3475,7 @@
                   <a:latin typeface="Arial"/>
                   <a:cs typeface="Arial"/>
                 </a:rPr>
-                <a:t>17 (20%)</a:t>
+                <a:t>17 (18%)</a:t>
               </a:r>
             </a:p>
           </p:txBody>
@@ -3488,7 +3488,7 @@
           </p:nvSpPr>
           <p:spPr>
             <a:xfrm>
-              <a:off x="4722141" y="3860133"/>
+              <a:off x="4859554" y="3499940"/>
               <a:ext cx="733109" cy="169559"/>
             </a:xfrm>
             <a:prstGeom prst="rect">
@@ -3521,7 +3521,7 @@
                   <a:latin typeface="Arial"/>
                   <a:cs typeface="Arial"/>
                 </a:rPr>
-                <a:t>15 (18%)</a:t>
+                <a:t>17 (18%)</a:t>
               </a:r>
             </a:p>
           </p:txBody>
@@ -3534,7 +3534,7 @@
           </p:nvSpPr>
           <p:spPr>
             <a:xfrm>
-              <a:off x="4722141" y="3499940"/>
+              <a:off x="4685979" y="3860133"/>
               <a:ext cx="733109" cy="169559"/>
             </a:xfrm>
             <a:prstGeom prst="rect">
@@ -3567,7 +3567,7 @@
                   <a:latin typeface="Arial"/>
                   <a:cs typeface="Arial"/>
                 </a:rPr>
-                <a:t>15 (18%)</a:t>
+                <a:t>15 (16%)</a:t>
               </a:r>
             </a:p>
           </p:txBody>
@@ -3580,7 +3580,7 @@
           </p:nvSpPr>
           <p:spPr>
             <a:xfrm>
-              <a:off x="4454546" y="4220326"/>
+              <a:off x="4599192" y="4220326"/>
               <a:ext cx="733109" cy="169559"/>
             </a:xfrm>
             <a:prstGeom prst="rect">
@@ -3613,7 +3613,7 @@
                   <a:latin typeface="Arial"/>
                   <a:cs typeface="Arial"/>
                 </a:rPr>
-                <a:t>12 (14%)</a:t>
+                <a:t>14 (15%)</a:t>
               </a:r>
             </a:p>
           </p:txBody>
@@ -3626,7 +3626,7 @@
           </p:nvSpPr>
           <p:spPr>
             <a:xfrm>
-              <a:off x="4365347" y="4580519"/>
+              <a:off x="4425616" y="4580519"/>
               <a:ext cx="733109" cy="169559"/>
             </a:xfrm>
             <a:prstGeom prst="rect">
@@ -3659,7 +3659,7 @@
                   <a:latin typeface="Arial"/>
                   <a:cs typeface="Arial"/>
                 </a:rPr>
-                <a:t>11 (13%)</a:t>
+                <a:t>12 (13%)</a:t>
               </a:r>
             </a:p>
           </p:txBody>
@@ -3672,7 +3672,7 @@
           </p:nvSpPr>
           <p:spPr>
             <a:xfrm>
-              <a:off x="4276149" y="4940712"/>
+              <a:off x="4338829" y="4940712"/>
               <a:ext cx="733109" cy="169559"/>
             </a:xfrm>
             <a:prstGeom prst="rect">
@@ -3705,7 +3705,7 @@
                   <a:latin typeface="Arial"/>
                   <a:cs typeface="Arial"/>
                 </a:rPr>
-                <a:t>10 (12%)</a:t>
+                <a:t>11 (12%)</a:t>
               </a:r>
             </a:p>
           </p:txBody>
@@ -3718,7 +3718,7 @@
           </p:nvSpPr>
           <p:spPr>
             <a:xfrm>
-              <a:off x="4047511" y="5300905"/>
+              <a:off x="3941437" y="5661098"/>
               <a:ext cx="532144" cy="169559"/>
             </a:xfrm>
             <a:prstGeom prst="rect">
@@ -3751,7 +3751,7 @@
                   <a:latin typeface="Arial"/>
                   <a:cs typeface="Arial"/>
                 </a:rPr>
-                <a:t>8 (9%)</a:t>
+                <a:t>7 (8%)</a:t>
               </a:r>
             </a:p>
           </p:txBody>
@@ -3764,7 +3764,53 @@
           </p:nvSpPr>
           <p:spPr>
             <a:xfrm>
-              <a:off x="3869114" y="6021291"/>
+              <a:off x="3941437" y="5300905"/>
+              <a:ext cx="532144" cy="169559"/>
+            </a:xfrm>
+            <a:prstGeom prst="rect">
+              <a:avLst/>
+            </a:prstGeom>
+            <a:noFill/>
+          </p:spPr>
+          <p:txBody>
+            <a:bodyPr lIns="0" rIns="0" tIns="0" bIns="0" anchorCtr="1" anchor="ctr" wrap="none"/>
+            <a:lstStyle/>
+            <a:p>
+              <a:pPr algn="l" marL="0" marR="0" indent="0">
+                <a:lnSpc>
+                  <a:spcPts val="1422"/>
+                </a:lnSpc>
+                <a:spcBef>
+                  <a:spcPts val="0"/>
+                </a:spcBef>
+                <a:spcAft>
+                  <a:spcPts val="0"/>
+                </a:spcAft>
+              </a:pPr>
+              <a:r>
+                <a:rPr sz="1422">
+                  <a:solidFill>
+                    <a:srgbClr val="000000">
+                      <a:alpha val="100000"/>
+                    </a:srgbClr>
+                  </a:solidFill>
+                  <a:latin typeface="Arial"/>
+                  <a:cs typeface="Arial"/>
+                </a:rPr>
+                <a:t>7 (8%)</a:t>
+              </a:r>
+            </a:p>
+          </p:txBody>
+        </p:sp>
+        <p:sp>
+          <p:nvSpPr>
+            <p:cNvPr id="46" name="tx46"/>
+            <p:cNvSpPr/>
+            <p:nvPr/>
+          </p:nvSpPr>
+          <p:spPr>
+            <a:xfrm>
+              <a:off x="3854650" y="6381484"/>
               <a:ext cx="532144" cy="169559"/>
             </a:xfrm>
             <a:prstGeom prst="rect">
@@ -3804,13 +3850,13 @@
         </p:sp>
         <p:sp>
           <p:nvSpPr>
-            <p:cNvPr id="46" name="tx46"/>
-            <p:cNvSpPr/>
-            <p:nvPr/>
-          </p:nvSpPr>
-          <p:spPr>
-            <a:xfrm>
-              <a:off x="3869114" y="5661098"/>
+            <p:cNvPr id="47" name="tx47"/>
+            <p:cNvSpPr/>
+            <p:nvPr/>
+          </p:nvSpPr>
+          <p:spPr>
+            <a:xfrm>
+              <a:off x="3854650" y="6021291"/>
               <a:ext cx="532144" cy="169559"/>
             </a:xfrm>
             <a:prstGeom prst="rect">
@@ -3850,13 +3896,13 @@
         </p:sp>
         <p:sp>
           <p:nvSpPr>
-            <p:cNvPr id="47" name="tx47"/>
-            <p:cNvSpPr/>
-            <p:nvPr/>
-          </p:nvSpPr>
-          <p:spPr>
-            <a:xfrm>
-              <a:off x="3779916" y="6741677"/>
+            <p:cNvPr id="48" name="tx48"/>
+            <p:cNvSpPr/>
+            <p:nvPr/>
+          </p:nvSpPr>
+          <p:spPr>
+            <a:xfrm>
+              <a:off x="3767862" y="6741677"/>
               <a:ext cx="532144" cy="169559"/>
             </a:xfrm>
             <a:prstGeom prst="rect">
@@ -3889,20 +3935,20 @@
                   <a:latin typeface="Arial"/>
                   <a:cs typeface="Arial"/>
                 </a:rPr>
-                <a:t>5 (6%)</a:t>
+                <a:t>5 (5%)</a:t>
               </a:r>
             </a:p>
           </p:txBody>
         </p:sp>
         <p:sp>
           <p:nvSpPr>
-            <p:cNvPr id="48" name="tx48"/>
-            <p:cNvSpPr/>
-            <p:nvPr/>
-          </p:nvSpPr>
-          <p:spPr>
-            <a:xfrm>
-              <a:off x="3779916" y="6381484"/>
+            <p:cNvPr id="49" name="tx49"/>
+            <p:cNvSpPr/>
+            <p:nvPr/>
+          </p:nvSpPr>
+          <p:spPr>
+            <a:xfrm>
+              <a:off x="3594287" y="7101870"/>
               <a:ext cx="532144" cy="169559"/>
             </a:xfrm>
             <a:prstGeom prst="rect">
@@ -3935,66 +3981,20 @@
                   <a:latin typeface="Arial"/>
                   <a:cs typeface="Arial"/>
                 </a:rPr>
-                <a:t>5 (6%)</a:t>
+                <a:t>3 (3%)</a:t>
               </a:r>
             </a:p>
           </p:txBody>
         </p:sp>
         <p:sp>
           <p:nvSpPr>
-            <p:cNvPr id="49" name="tx49"/>
-            <p:cNvSpPr/>
-            <p:nvPr/>
-          </p:nvSpPr>
-          <p:spPr>
-            <a:xfrm>
-              <a:off x="3601519" y="7101870"/>
-              <a:ext cx="532144" cy="169559"/>
-            </a:xfrm>
-            <a:prstGeom prst="rect">
-              <a:avLst/>
-            </a:prstGeom>
-            <a:noFill/>
-          </p:spPr>
-          <p:txBody>
-            <a:bodyPr lIns="0" rIns="0" tIns="0" bIns="0" anchorCtr="1" anchor="ctr" wrap="none"/>
-            <a:lstStyle/>
-            <a:p>
-              <a:pPr algn="l" marL="0" marR="0" indent="0">
-                <a:lnSpc>
-                  <a:spcPts val="1422"/>
-                </a:lnSpc>
-                <a:spcBef>
-                  <a:spcPts val="0"/>
-                </a:spcBef>
-                <a:spcAft>
-                  <a:spcPts val="0"/>
-                </a:spcAft>
-              </a:pPr>
-              <a:r>
-                <a:rPr sz="1422">
-                  <a:solidFill>
-                    <a:srgbClr val="000000">
-                      <a:alpha val="100000"/>
-                    </a:srgbClr>
-                  </a:solidFill>
-                  <a:latin typeface="Arial"/>
-                  <a:cs typeface="Arial"/>
-                </a:rPr>
-                <a:t>3 (4%)</a:t>
-              </a:r>
-            </a:p>
-          </p:txBody>
-        </p:sp>
-        <p:sp>
-          <p:nvSpPr>
             <p:cNvPr id="50" name="tx50"/>
             <p:cNvSpPr/>
             <p:nvPr/>
           </p:nvSpPr>
           <p:spPr>
             <a:xfrm>
-              <a:off x="3512321" y="7462063"/>
+              <a:off x="3507499" y="7462063"/>
               <a:ext cx="532144" cy="169559"/>
             </a:xfrm>
             <a:prstGeom prst="rect">
@@ -4172,7 +4172,53 @@
           </p:nvSpPr>
           <p:spPr>
             <a:xfrm>
-              <a:off x="1162675" y="6700831"/>
+              <a:off x="886811" y="6771817"/>
+              <a:ext cx="2243583" cy="121507"/>
+            </a:xfrm>
+            <a:prstGeom prst="rect">
+              <a:avLst/>
+            </a:prstGeom>
+            <a:noFill/>
+          </p:spPr>
+          <p:txBody>
+            <a:bodyPr lIns="0" rIns="0" tIns="0" bIns="0" anchorCtr="1" anchor="ctr" wrap="none"/>
+            <a:lstStyle/>
+            <a:p>
+              <a:pPr algn="l" marL="0" marR="0" indent="0">
+                <a:lnSpc>
+                  <a:spcPts val="1028"/>
+                </a:lnSpc>
+                <a:spcBef>
+                  <a:spcPts val="0"/>
+                </a:spcBef>
+                <a:spcAft>
+                  <a:spcPts val="0"/>
+                </a:spcAft>
+              </a:pPr>
+              <a:r>
+                <a:rPr sz="1028">
+                  <a:solidFill>
+                    <a:srgbClr val="000000">
+                      <a:alpha val="100000"/>
+                    </a:srgbClr>
+                  </a:solidFill>
+                  <a:latin typeface="Arial"/>
+                  <a:cs typeface="Arial"/>
+                </a:rPr>
+                <a:t>Maladie qui touche plusieurs systèmes</a:t>
+              </a:r>
+            </a:p>
+          </p:txBody>
+        </p:sp>
+        <p:sp>
+          <p:nvSpPr>
+            <p:cNvPr id="55" name="tx55"/>
+            <p:cNvSpPr/>
+            <p:nvPr/>
+          </p:nvSpPr>
+          <p:spPr>
+            <a:xfrm>
+              <a:off x="1162675" y="6340638"/>
               <a:ext cx="1967720" cy="121954"/>
             </a:xfrm>
             <a:prstGeom prst="rect">
@@ -4212,13 +4258,13 @@
         </p:sp>
         <p:sp>
           <p:nvSpPr>
-            <p:cNvPr id="55" name="tx55"/>
-            <p:cNvSpPr/>
-            <p:nvPr/>
-          </p:nvSpPr>
-          <p:spPr>
-            <a:xfrm>
-              <a:off x="2469662" y="6868826"/>
+            <p:cNvPr id="56" name="tx56"/>
+            <p:cNvSpPr/>
+            <p:nvPr/>
+          </p:nvSpPr>
+          <p:spPr>
+            <a:xfrm>
+              <a:off x="2469662" y="6508633"/>
               <a:ext cx="660733" cy="95037"/>
             </a:xfrm>
             <a:prstGeom prst="rect">
@@ -4258,13 +4304,13 @@
         </p:sp>
         <p:sp>
           <p:nvSpPr>
-            <p:cNvPr id="56" name="tx56"/>
-            <p:cNvSpPr/>
-            <p:nvPr/>
-          </p:nvSpPr>
-          <p:spPr>
-            <a:xfrm>
-              <a:off x="1322134" y="6413155"/>
+            <p:cNvPr id="57" name="tx57"/>
+            <p:cNvSpPr/>
+            <p:nvPr/>
+          </p:nvSpPr>
+          <p:spPr>
+            <a:xfrm>
+              <a:off x="1322134" y="6052962"/>
               <a:ext cx="1808261" cy="119976"/>
             </a:xfrm>
             <a:prstGeom prst="rect">
@@ -4304,14 +4350,14 @@
         </p:sp>
         <p:sp>
           <p:nvSpPr>
-            <p:cNvPr id="57" name="tx57"/>
-            <p:cNvSpPr/>
-            <p:nvPr/>
-          </p:nvSpPr>
-          <p:spPr>
-            <a:xfrm>
-              <a:off x="886811" y="6051431"/>
-              <a:ext cx="2243583" cy="121507"/>
+            <p:cNvPr id="58" name="tx58"/>
+            <p:cNvSpPr/>
+            <p:nvPr/>
+          </p:nvSpPr>
+          <p:spPr>
+            <a:xfrm>
+              <a:off x="1467688" y="5691238"/>
+              <a:ext cx="1662707" cy="121507"/>
             </a:xfrm>
             <a:prstGeom prst="rect">
               <a:avLst/>
@@ -4343,20 +4389,20 @@
                   <a:latin typeface="Arial"/>
                   <a:cs typeface="Arial"/>
                 </a:rPr>
-                <a:t>Maladie qui touche plusieurs systèmes</a:t>
+                <a:t>Maladie du système nerveux</a:t>
               </a:r>
             </a:p>
           </p:txBody>
         </p:sp>
         <p:sp>
           <p:nvSpPr>
-            <p:cNvPr id="58" name="tx58"/>
-            <p:cNvSpPr/>
-            <p:nvPr/>
-          </p:nvSpPr>
-          <p:spPr>
-            <a:xfrm>
-              <a:off x="1707003" y="5691748"/>
+            <p:cNvPr id="59" name="tx59"/>
+            <p:cNvSpPr/>
+            <p:nvPr/>
+          </p:nvSpPr>
+          <p:spPr>
+            <a:xfrm>
+              <a:off x="1707003" y="5331555"/>
               <a:ext cx="1423392" cy="120997"/>
             </a:xfrm>
             <a:prstGeom prst="rect">
@@ -4396,52 +4442,6 @@
         </p:sp>
         <p:sp>
           <p:nvSpPr>
-            <p:cNvPr id="59" name="tx59"/>
-            <p:cNvSpPr/>
-            <p:nvPr/>
-          </p:nvSpPr>
-          <p:spPr>
-            <a:xfrm>
-              <a:off x="1467688" y="5331045"/>
-              <a:ext cx="1662707" cy="121507"/>
-            </a:xfrm>
-            <a:prstGeom prst="rect">
-              <a:avLst/>
-            </a:prstGeom>
-            <a:noFill/>
-          </p:spPr>
-          <p:txBody>
-            <a:bodyPr lIns="0" rIns="0" tIns="0" bIns="0" anchorCtr="1" anchor="ctr" wrap="none"/>
-            <a:lstStyle/>
-            <a:p>
-              <a:pPr algn="l" marL="0" marR="0" indent="0">
-                <a:lnSpc>
-                  <a:spcPts val="1028"/>
-                </a:lnSpc>
-                <a:spcBef>
-                  <a:spcPts val="0"/>
-                </a:spcBef>
-                <a:spcAft>
-                  <a:spcPts val="0"/>
-                </a:spcAft>
-              </a:pPr>
-              <a:r>
-                <a:rPr sz="1028">
-                  <a:solidFill>
-                    <a:srgbClr val="000000">
-                      <a:alpha val="100000"/>
-                    </a:srgbClr>
-                  </a:solidFill>
-                  <a:latin typeface="Arial"/>
-                  <a:cs typeface="Arial"/>
-                </a:rPr>
-                <a:t>Maladie du système nerveux</a:t>
-              </a:r>
-            </a:p>
-          </p:txBody>
-        </p:sp>
-        <p:sp>
-          <p:nvSpPr>
             <p:cNvPr id="60" name="tx60"/>
             <p:cNvSpPr/>
             <p:nvPr/>
@@ -4724,7 +4724,99 @@
           </p:nvSpPr>
           <p:spPr>
             <a:xfrm>
-              <a:off x="1279016" y="3890273"/>
+              <a:off x="1961563" y="3916743"/>
+              <a:ext cx="1168832" cy="95037"/>
+            </a:xfrm>
+            <a:prstGeom prst="rect">
+              <a:avLst/>
+            </a:prstGeom>
+            <a:noFill/>
+          </p:spPr>
+          <p:txBody>
+            <a:bodyPr lIns="0" rIns="0" tIns="0" bIns="0" anchorCtr="1" anchor="ctr" wrap="none"/>
+            <a:lstStyle/>
+            <a:p>
+              <a:pPr algn="l" marL="0" marR="0" indent="0">
+                <a:lnSpc>
+                  <a:spcPts val="1028"/>
+                </a:lnSpc>
+                <a:spcBef>
+                  <a:spcPts val="0"/>
+                </a:spcBef>
+                <a:spcAft>
+                  <a:spcPts val="0"/>
+                </a:spcAft>
+              </a:pPr>
+              <a:r>
+                <a:rPr sz="1028">
+                  <a:solidFill>
+                    <a:srgbClr val="000000">
+                      <a:alpha val="100000"/>
+                    </a:srgbClr>
+                  </a:solidFill>
+                  <a:latin typeface="Arial"/>
+                  <a:cs typeface="Arial"/>
+                </a:rPr>
+                <a:t>Maladie immunitaire</a:t>
+              </a:r>
+            </a:p>
+          </p:txBody>
+        </p:sp>
+        <p:sp>
+          <p:nvSpPr>
+            <p:cNvPr id="67" name="tx67"/>
+            <p:cNvSpPr/>
+            <p:nvPr/>
+          </p:nvSpPr>
+          <p:spPr>
+            <a:xfrm>
+              <a:off x="2026495" y="3532121"/>
+              <a:ext cx="1103900" cy="119466"/>
+            </a:xfrm>
+            <a:prstGeom prst="rect">
+              <a:avLst/>
+            </a:prstGeom>
+            <a:noFill/>
+          </p:spPr>
+          <p:txBody>
+            <a:bodyPr lIns="0" rIns="0" tIns="0" bIns="0" anchorCtr="1" anchor="ctr" wrap="none"/>
+            <a:lstStyle/>
+            <a:p>
+              <a:pPr algn="l" marL="0" marR="0" indent="0">
+                <a:lnSpc>
+                  <a:spcPts val="1028"/>
+                </a:lnSpc>
+                <a:spcBef>
+                  <a:spcPts val="0"/>
+                </a:spcBef>
+                <a:spcAft>
+                  <a:spcPts val="0"/>
+                </a:spcAft>
+              </a:pPr>
+              <a:r>
+                <a:rPr sz="1028">
+                  <a:solidFill>
+                    <a:srgbClr val="000000">
+                      <a:alpha val="100000"/>
+                    </a:srgbClr>
+                  </a:solidFill>
+                  <a:latin typeface="Arial"/>
+                  <a:cs typeface="Arial"/>
+                </a:rPr>
+                <a:t>Maladie de la peau</a:t>
+              </a:r>
+            </a:p>
+          </p:txBody>
+        </p:sp>
+        <p:sp>
+          <p:nvSpPr>
+            <p:cNvPr id="68" name="tx68"/>
+            <p:cNvSpPr/>
+            <p:nvPr/>
+          </p:nvSpPr>
+          <p:spPr>
+            <a:xfrm>
+              <a:off x="1279016" y="3169887"/>
               <a:ext cx="1851379" cy="121507"/>
             </a:xfrm>
             <a:prstGeom prst="rect">
@@ -4764,59 +4856,13 @@
         </p:sp>
         <p:sp>
           <p:nvSpPr>
-            <p:cNvPr id="67" name="tx67"/>
-            <p:cNvSpPr/>
-            <p:nvPr/>
-          </p:nvSpPr>
-          <p:spPr>
-            <a:xfrm>
-              <a:off x="1961563" y="3556550"/>
-              <a:ext cx="1168832" cy="95037"/>
-            </a:xfrm>
-            <a:prstGeom prst="rect">
-              <a:avLst/>
-            </a:prstGeom>
-            <a:noFill/>
-          </p:spPr>
-          <p:txBody>
-            <a:bodyPr lIns="0" rIns="0" tIns="0" bIns="0" anchorCtr="1" anchor="ctr" wrap="none"/>
-            <a:lstStyle/>
-            <a:p>
-              <a:pPr algn="l" marL="0" marR="0" indent="0">
-                <a:lnSpc>
-                  <a:spcPts val="1028"/>
-                </a:lnSpc>
-                <a:spcBef>
-                  <a:spcPts val="0"/>
-                </a:spcBef>
-                <a:spcAft>
-                  <a:spcPts val="0"/>
-                </a:spcAft>
-              </a:pPr>
-              <a:r>
-                <a:rPr sz="1028">
-                  <a:solidFill>
-                    <a:srgbClr val="000000">
-                      <a:alpha val="100000"/>
-                    </a:srgbClr>
-                  </a:solidFill>
-                  <a:latin typeface="Arial"/>
-                  <a:cs typeface="Arial"/>
-                </a:rPr>
-                <a:t>Maladie immunitaire</a:t>
-              </a:r>
-            </a:p>
-          </p:txBody>
-        </p:sp>
-        <p:sp>
-          <p:nvSpPr>
-            <p:cNvPr id="68" name="tx68"/>
-            <p:cNvSpPr/>
-            <p:nvPr/>
-          </p:nvSpPr>
-          <p:spPr>
-            <a:xfrm>
-              <a:off x="1104632" y="3125817"/>
+            <p:cNvPr id="69" name="tx69"/>
+            <p:cNvSpPr/>
+            <p:nvPr/>
+          </p:nvSpPr>
+          <p:spPr>
+            <a:xfrm>
+              <a:off x="1104632" y="2765624"/>
               <a:ext cx="2025763" cy="95037"/>
             </a:xfrm>
             <a:prstGeom prst="rect">
@@ -4856,13 +4902,13 @@
         </p:sp>
         <p:sp>
           <p:nvSpPr>
-            <p:cNvPr id="69" name="tx69"/>
-            <p:cNvSpPr/>
-            <p:nvPr/>
-          </p:nvSpPr>
-          <p:spPr>
-            <a:xfrm>
-              <a:off x="2607498" y="3240936"/>
+            <p:cNvPr id="70" name="tx70"/>
+            <p:cNvSpPr/>
+            <p:nvPr/>
+          </p:nvSpPr>
+          <p:spPr>
+            <a:xfrm>
+              <a:off x="2607498" y="2880743"/>
               <a:ext cx="522896" cy="120997"/>
             </a:xfrm>
             <a:prstGeom prst="rect">
@@ -4902,105 +4948,13 @@
         </p:sp>
         <p:sp>
           <p:nvSpPr>
-            <p:cNvPr id="70" name="tx70"/>
-            <p:cNvSpPr/>
-            <p:nvPr/>
-          </p:nvSpPr>
-          <p:spPr>
-            <a:xfrm>
-              <a:off x="2026495" y="2811735"/>
-              <a:ext cx="1103900" cy="119466"/>
-            </a:xfrm>
-            <a:prstGeom prst="rect">
-              <a:avLst/>
-            </a:prstGeom>
-            <a:noFill/>
-          </p:spPr>
-          <p:txBody>
-            <a:bodyPr lIns="0" rIns="0" tIns="0" bIns="0" anchorCtr="1" anchor="ctr" wrap="none"/>
-            <a:lstStyle/>
-            <a:p>
-              <a:pPr algn="l" marL="0" marR="0" indent="0">
-                <a:lnSpc>
-                  <a:spcPts val="1028"/>
-                </a:lnSpc>
-                <a:spcBef>
-                  <a:spcPts val="0"/>
-                </a:spcBef>
-                <a:spcAft>
-                  <a:spcPts val="0"/>
-                </a:spcAft>
-              </a:pPr>
-              <a:r>
-                <a:rPr sz="1028">
-                  <a:solidFill>
-                    <a:srgbClr val="000000">
-                      <a:alpha val="100000"/>
-                    </a:srgbClr>
-                  </a:solidFill>
-                  <a:latin typeface="Arial"/>
-                  <a:cs typeface="Arial"/>
-                </a:rPr>
-                <a:t>Maladie de la peau</a:t>
-              </a:r>
-            </a:p>
-          </p:txBody>
-        </p:sp>
-        <p:sp>
-          <p:nvSpPr>
             <p:cNvPr id="71" name="tx71"/>
             <p:cNvSpPr/>
             <p:nvPr/>
           </p:nvSpPr>
           <p:spPr>
             <a:xfrm>
-              <a:off x="1486121" y="2448416"/>
-              <a:ext cx="1644274" cy="122591"/>
-            </a:xfrm>
-            <a:prstGeom prst="rect">
-              <a:avLst/>
-            </a:prstGeom>
-            <a:noFill/>
-          </p:spPr>
-          <p:txBody>
-            <a:bodyPr lIns="0" rIns="0" tIns="0" bIns="0" anchorCtr="1" anchor="ctr" wrap="none"/>
-            <a:lstStyle/>
-            <a:p>
-              <a:pPr algn="l" marL="0" marR="0" indent="0">
-                <a:lnSpc>
-                  <a:spcPts val="1028"/>
-                </a:lnSpc>
-                <a:spcBef>
-                  <a:spcPts val="0"/>
-                </a:spcBef>
-                <a:spcAft>
-                  <a:spcPts val="0"/>
-                </a:spcAft>
-              </a:pPr>
-              <a:r>
-                <a:rPr sz="1028">
-                  <a:solidFill>
-                    <a:srgbClr val="000000">
-                      <a:alpha val="100000"/>
-                    </a:srgbClr>
-                  </a:solidFill>
-                  <a:latin typeface="Arial"/>
-                  <a:cs typeface="Arial"/>
-                </a:rPr>
-                <a:t>Maladie de l'appareil digestif</a:t>
-              </a:r>
-            </a:p>
-          </p:txBody>
-        </p:sp>
-        <p:sp>
-          <p:nvSpPr>
-            <p:cNvPr id="72" name="tx72"/>
-            <p:cNvSpPr/>
-            <p:nvPr/>
-          </p:nvSpPr>
-          <p:spPr>
-            <a:xfrm>
-              <a:off x="1264282" y="2028272"/>
+              <a:off x="1264282" y="2388465"/>
               <a:ext cx="1866113" cy="112003"/>
             </a:xfrm>
             <a:prstGeom prst="rect">
@@ -5040,13 +4994,13 @@
         </p:sp>
         <p:sp>
           <p:nvSpPr>
-            <p:cNvPr id="73" name="tx73"/>
-            <p:cNvSpPr/>
-            <p:nvPr/>
-          </p:nvSpPr>
-          <p:spPr>
-            <a:xfrm>
-              <a:off x="2651318" y="2186317"/>
+            <p:cNvPr id="72" name="tx72"/>
+            <p:cNvSpPr/>
+            <p:nvPr/>
+          </p:nvSpPr>
+          <p:spPr>
+            <a:xfrm>
+              <a:off x="2651318" y="2546510"/>
               <a:ext cx="479077" cy="95037"/>
             </a:xfrm>
             <a:prstGeom prst="rect">
@@ -5080,6 +5034,52 @@
                   <a:cs typeface="Arial"/>
                 </a:rPr>
                 <a:t>muscles</a:t>
+              </a:r>
+            </a:p>
+          </p:txBody>
+        </p:sp>
+        <p:sp>
+          <p:nvSpPr>
+            <p:cNvPr id="73" name="tx73"/>
+            <p:cNvSpPr/>
+            <p:nvPr/>
+          </p:nvSpPr>
+          <p:spPr>
+            <a:xfrm>
+              <a:off x="1486121" y="2088223"/>
+              <a:ext cx="1644274" cy="122591"/>
+            </a:xfrm>
+            <a:prstGeom prst="rect">
+              <a:avLst/>
+            </a:prstGeom>
+            <a:noFill/>
+          </p:spPr>
+          <p:txBody>
+            <a:bodyPr lIns="0" rIns="0" tIns="0" bIns="0" anchorCtr="1" anchor="ctr" wrap="none"/>
+            <a:lstStyle/>
+            <a:p>
+              <a:pPr algn="l" marL="0" marR="0" indent="0">
+                <a:lnSpc>
+                  <a:spcPts val="1028"/>
+                </a:lnSpc>
+                <a:spcBef>
+                  <a:spcPts val="0"/>
+                </a:spcBef>
+                <a:spcAft>
+                  <a:spcPts val="0"/>
+                </a:spcAft>
+              </a:pPr>
+              <a:r>
+                <a:rPr sz="1028">
+                  <a:solidFill>
+                    <a:srgbClr val="000000">
+                      <a:alpha val="100000"/>
+                    </a:srgbClr>
+                  </a:solidFill>
+                  <a:latin typeface="Arial"/>
+                  <a:cs typeface="Arial"/>
+                </a:rPr>
+                <a:t>Maladie de l'appareil digestif</a:t>
               </a:r>
             </a:p>
           </p:txBody>
@@ -6030,7 +6030,7 @@
           </p:nvSpPr>
           <p:spPr>
             <a:xfrm>
-              <a:off x="3646880" y="7783073"/>
+              <a:off x="3634826" y="7783073"/>
               <a:ext cx="0" cy="37957"/>
             </a:xfrm>
             <a:custGeom>
@@ -6070,7 +6070,7 @@
           </p:nvSpPr>
           <p:spPr>
             <a:xfrm>
-              <a:off x="4092871" y="7783073"/>
+              <a:off x="4068764" y="7783073"/>
               <a:ext cx="0" cy="37957"/>
             </a:xfrm>
             <a:custGeom>
@@ -6110,7 +6110,7 @@
           </p:nvSpPr>
           <p:spPr>
             <a:xfrm>
-              <a:off x="4538863" y="7783073"/>
+              <a:off x="4502702" y="7783073"/>
               <a:ext cx="0" cy="37957"/>
             </a:xfrm>
             <a:custGeom>
@@ -6150,7 +6150,7 @@
           </p:nvSpPr>
           <p:spPr>
             <a:xfrm>
-              <a:off x="4984855" y="7783073"/>
+              <a:off x="4936639" y="7783073"/>
               <a:ext cx="0" cy="37957"/>
             </a:xfrm>
             <a:custGeom>
@@ -6190,7 +6190,7 @@
           </p:nvSpPr>
           <p:spPr>
             <a:xfrm>
-              <a:off x="5430846" y="7783073"/>
+              <a:off x="5370577" y="7783073"/>
               <a:ext cx="0" cy="37957"/>
             </a:xfrm>
             <a:custGeom>
@@ -6230,7 +6230,7 @@
           </p:nvSpPr>
           <p:spPr>
             <a:xfrm>
-              <a:off x="5876838" y="7783073"/>
+              <a:off x="5804515" y="7783073"/>
               <a:ext cx="0" cy="37957"/>
             </a:xfrm>
             <a:custGeom>
@@ -6270,7 +6270,7 @@
           </p:nvSpPr>
           <p:spPr>
             <a:xfrm>
-              <a:off x="6322830" y="7783073"/>
+              <a:off x="6238453" y="7783073"/>
               <a:ext cx="0" cy="37957"/>
             </a:xfrm>
             <a:custGeom>
@@ -6310,7 +6310,7 @@
           </p:nvSpPr>
           <p:spPr>
             <a:xfrm>
-              <a:off x="6768822" y="7783073"/>
+              <a:off x="6672391" y="7783073"/>
               <a:ext cx="0" cy="37957"/>
             </a:xfrm>
             <a:custGeom>
@@ -6350,7 +6350,7 @@
           </p:nvSpPr>
           <p:spPr>
             <a:xfrm>
-              <a:off x="7214813" y="7783073"/>
+              <a:off x="7106329" y="7783073"/>
               <a:ext cx="0" cy="37957"/>
             </a:xfrm>
             <a:custGeom>
@@ -6390,7 +6390,7 @@
           </p:nvSpPr>
           <p:spPr>
             <a:xfrm>
-              <a:off x="7660805" y="7783073"/>
+              <a:off x="7540267" y="7783073"/>
               <a:ext cx="0" cy="37957"/>
             </a:xfrm>
             <a:custGeom>
@@ -6476,7 +6476,7 @@
           </p:nvSpPr>
           <p:spPr>
             <a:xfrm>
-              <a:off x="3610555" y="7853247"/>
+              <a:off x="3598501" y="7853247"/>
               <a:ext cx="72649" cy="93825"/>
             </a:xfrm>
             <a:prstGeom prst="rect">
@@ -6522,7 +6522,7 @@
           </p:nvSpPr>
           <p:spPr>
             <a:xfrm>
-              <a:off x="4020222" y="7851588"/>
+              <a:off x="3996114" y="7851588"/>
               <a:ext cx="145298" cy="95483"/>
             </a:xfrm>
             <a:prstGeom prst="rect">
@@ -6568,7 +6568,7 @@
           </p:nvSpPr>
           <p:spPr>
             <a:xfrm>
-              <a:off x="4466214" y="7851588"/>
+              <a:off x="4430052" y="7851588"/>
               <a:ext cx="145298" cy="95483"/>
             </a:xfrm>
             <a:prstGeom prst="rect">
@@ -6614,7 +6614,7 @@
           </p:nvSpPr>
           <p:spPr>
             <a:xfrm>
-              <a:off x="4912205" y="7851588"/>
+              <a:off x="4863990" y="7851588"/>
               <a:ext cx="145298" cy="95483"/>
             </a:xfrm>
             <a:prstGeom prst="rect">
@@ -6660,7 +6660,7 @@
           </p:nvSpPr>
           <p:spPr>
             <a:xfrm>
-              <a:off x="5358197" y="7851588"/>
+              <a:off x="5297928" y="7851588"/>
               <a:ext cx="145298" cy="95483"/>
             </a:xfrm>
             <a:prstGeom prst="rect">
@@ -6706,7 +6706,7 @@
           </p:nvSpPr>
           <p:spPr>
             <a:xfrm>
-              <a:off x="5804189" y="7851525"/>
+              <a:off x="5731866" y="7851525"/>
               <a:ext cx="145298" cy="95547"/>
             </a:xfrm>
             <a:prstGeom prst="rect">
@@ -6752,7 +6752,7 @@
           </p:nvSpPr>
           <p:spPr>
             <a:xfrm>
-              <a:off x="6250180" y="7851525"/>
+              <a:off x="6165804" y="7851525"/>
               <a:ext cx="145298" cy="95547"/>
             </a:xfrm>
             <a:prstGeom prst="rect">
@@ -6798,7 +6798,7 @@
           </p:nvSpPr>
           <p:spPr>
             <a:xfrm>
-              <a:off x="6696172" y="7851588"/>
+              <a:off x="6599741" y="7851588"/>
               <a:ext cx="145298" cy="95483"/>
             </a:xfrm>
             <a:prstGeom prst="rect">
@@ -6844,7 +6844,7 @@
           </p:nvSpPr>
           <p:spPr>
             <a:xfrm>
-              <a:off x="7142164" y="7851971"/>
+              <a:off x="7033679" y="7851971"/>
               <a:ext cx="145298" cy="95101"/>
             </a:xfrm>
             <a:prstGeom prst="rect">
@@ -6890,7 +6890,7 @@
           </p:nvSpPr>
           <p:spPr>
             <a:xfrm>
-              <a:off x="7588155" y="7851588"/>
+              <a:off x="7467617" y="7851588"/>
               <a:ext cx="145298" cy="95483"/>
             </a:xfrm>
             <a:prstGeom prst="rect">
@@ -7015,7 +7015,7 @@
                   <a:latin typeface="Arial"/>
                   <a:cs typeface="Arial"/>
                 </a:rPr>
-                <a:t>Reported comorbidities (N=85)</a:t>
+                <a:t>Reported comorbidities (N=92)</a:t>
               </a:r>
             </a:p>
           </p:txBody>
